--- a/Portfolio/ppt/CarManagementProgram.pptx
+++ b/Portfolio/ppt/CarManagementProgram.pptx
@@ -9,6 +9,11 @@
     <p:sldId id="257" r:id="rId3"/>
     <p:sldId id="258" r:id="rId4"/>
     <p:sldId id="259" r:id="rId5"/>
+    <p:sldId id="260" r:id="rId6"/>
+    <p:sldId id="261" r:id="rId7"/>
+    <p:sldId id="262" r:id="rId8"/>
+    <p:sldId id="263" r:id="rId9"/>
+    <p:sldId id="264" r:id="rId10"/>
   </p:sldIdLst>
   <p:sldSz cx="9144000" cy="6858000" type="screen4x3"/>
   <p:notesSz cx="6858000" cy="9144000"/>
@@ -107,6 +112,22 @@
       </a:defRPr>
     </a:lvl9pPr>
   </p:defaultTextStyle>
+  <p:extLst>
+    <p:ext uri="{EFAFB233-063F-42B5-8137-9DF3F51BA10A}">
+      <p15:sldGuideLst xmlns:p15="http://schemas.microsoft.com/office/powerpoint/2012/main">
+        <p15:guide id="1" orient="horz" pos="2160">
+          <p15:clr>
+            <a:srgbClr val="A4A3A4"/>
+          </p15:clr>
+        </p15:guide>
+        <p15:guide id="2" pos="2880">
+          <p15:clr>
+            <a:srgbClr val="A4A3A4"/>
+          </p15:clr>
+        </p15:guide>
+      </p15:sldGuideLst>
+    </p:ext>
+  </p:extLst>
 </p:presentation>
 </file>
 
@@ -291,7 +312,7 @@
           <a:p>
             <a:fld id="{469575B0-668D-4644-BD2F-9D1D1FAD25CE}" type="datetimeFigureOut">
               <a:rPr lang="ko-KR" altLang="en-US" smtClean="0"/>
-              <a:t>2021-04-22</a:t>
+              <a:t>2021-04-23</a:t>
             </a:fld>
             <a:endParaRPr lang="ko-KR" altLang="en-US"/>
           </a:p>
@@ -461,7 +482,7 @@
           <a:p>
             <a:fld id="{469575B0-668D-4644-BD2F-9D1D1FAD25CE}" type="datetimeFigureOut">
               <a:rPr lang="ko-KR" altLang="en-US" smtClean="0"/>
-              <a:t>2021-04-22</a:t>
+              <a:t>2021-04-23</a:t>
             </a:fld>
             <a:endParaRPr lang="ko-KR" altLang="en-US"/>
           </a:p>
@@ -641,7 +662,7 @@
           <a:p>
             <a:fld id="{469575B0-668D-4644-BD2F-9D1D1FAD25CE}" type="datetimeFigureOut">
               <a:rPr lang="ko-KR" altLang="en-US" smtClean="0"/>
-              <a:t>2021-04-22</a:t>
+              <a:t>2021-04-23</a:t>
             </a:fld>
             <a:endParaRPr lang="ko-KR" altLang="en-US"/>
           </a:p>
@@ -811,7 +832,7 @@
           <a:p>
             <a:fld id="{469575B0-668D-4644-BD2F-9D1D1FAD25CE}" type="datetimeFigureOut">
               <a:rPr lang="ko-KR" altLang="en-US" smtClean="0"/>
-              <a:t>2021-04-22</a:t>
+              <a:t>2021-04-23</a:t>
             </a:fld>
             <a:endParaRPr lang="ko-KR" altLang="en-US"/>
           </a:p>
@@ -1057,7 +1078,7 @@
           <a:p>
             <a:fld id="{469575B0-668D-4644-BD2F-9D1D1FAD25CE}" type="datetimeFigureOut">
               <a:rPr lang="ko-KR" altLang="en-US" smtClean="0"/>
-              <a:t>2021-04-22</a:t>
+              <a:t>2021-04-23</a:t>
             </a:fld>
             <a:endParaRPr lang="ko-KR" altLang="en-US"/>
           </a:p>
@@ -1345,7 +1366,7 @@
           <a:p>
             <a:fld id="{469575B0-668D-4644-BD2F-9D1D1FAD25CE}" type="datetimeFigureOut">
               <a:rPr lang="ko-KR" altLang="en-US" smtClean="0"/>
-              <a:t>2021-04-22</a:t>
+              <a:t>2021-04-23</a:t>
             </a:fld>
             <a:endParaRPr lang="ko-KR" altLang="en-US"/>
           </a:p>
@@ -1767,7 +1788,7 @@
           <a:p>
             <a:fld id="{469575B0-668D-4644-BD2F-9D1D1FAD25CE}" type="datetimeFigureOut">
               <a:rPr lang="ko-KR" altLang="en-US" smtClean="0"/>
-              <a:t>2021-04-22</a:t>
+              <a:t>2021-04-23</a:t>
             </a:fld>
             <a:endParaRPr lang="ko-KR" altLang="en-US"/>
           </a:p>
@@ -1885,7 +1906,7 @@
           <a:p>
             <a:fld id="{469575B0-668D-4644-BD2F-9D1D1FAD25CE}" type="datetimeFigureOut">
               <a:rPr lang="ko-KR" altLang="en-US" smtClean="0"/>
-              <a:t>2021-04-22</a:t>
+              <a:t>2021-04-23</a:t>
             </a:fld>
             <a:endParaRPr lang="ko-KR" altLang="en-US"/>
           </a:p>
@@ -1980,7 +2001,7 @@
           <a:p>
             <a:fld id="{469575B0-668D-4644-BD2F-9D1D1FAD25CE}" type="datetimeFigureOut">
               <a:rPr lang="ko-KR" altLang="en-US" smtClean="0"/>
-              <a:t>2021-04-22</a:t>
+              <a:t>2021-04-23</a:t>
             </a:fld>
             <a:endParaRPr lang="ko-KR" altLang="en-US"/>
           </a:p>
@@ -2257,7 +2278,7 @@
           <a:p>
             <a:fld id="{469575B0-668D-4644-BD2F-9D1D1FAD25CE}" type="datetimeFigureOut">
               <a:rPr lang="ko-KR" altLang="en-US" smtClean="0"/>
-              <a:t>2021-04-22</a:t>
+              <a:t>2021-04-23</a:t>
             </a:fld>
             <a:endParaRPr lang="ko-KR" altLang="en-US"/>
           </a:p>
@@ -2510,7 +2531,7 @@
           <a:p>
             <a:fld id="{469575B0-668D-4644-BD2F-9D1D1FAD25CE}" type="datetimeFigureOut">
               <a:rPr lang="ko-KR" altLang="en-US" smtClean="0"/>
-              <a:t>2021-04-22</a:t>
+              <a:t>2021-04-23</a:t>
             </a:fld>
             <a:endParaRPr lang="ko-KR" altLang="en-US"/>
           </a:p>
@@ -2723,7 +2744,7 @@
           <a:p>
             <a:fld id="{469575B0-668D-4644-BD2F-9D1D1FAD25CE}" type="datetimeFigureOut">
               <a:rPr lang="ko-KR" altLang="en-US" smtClean="0"/>
-              <a:t>2021-04-22</a:t>
+              <a:t>2021-04-23</a:t>
             </a:fld>
             <a:endParaRPr lang="ko-KR" altLang="en-US"/>
           </a:p>
@@ -3561,7 +3582,7 @@
           <p:spPr>
             <a:xfrm>
               <a:off x="2294174" y="5466419"/>
-              <a:ext cx="2140330" cy="461665"/>
+              <a:ext cx="2133918" cy="461665"/>
             </a:xfrm>
             <a:prstGeom prst="rect">
               <a:avLst/>
@@ -3579,7 +3600,7 @@
                   <a:latin typeface="HY강B" panose="02030600000101010101" pitchFamily="18" charset="-127"/>
                   <a:ea typeface="HY강B" panose="02030600000101010101" pitchFamily="18" charset="-127"/>
                 </a:rPr>
-                <a:t>프로그램 소개</a:t>
+                <a:t>테스트 케이스</a:t>
               </a:r>
               <a:endParaRPr lang="en-US" altLang="ko-KR" sz="2400" dirty="0" smtClean="0">
                 <a:latin typeface="HY강B" panose="02030600000101010101" pitchFamily="18" charset="-127"/>
@@ -3699,7 +3720,7 @@
           <p:spPr>
             <a:xfrm>
               <a:off x="2294174" y="4170275"/>
-              <a:ext cx="2140330" cy="461665"/>
+              <a:ext cx="1518364" cy="461665"/>
             </a:xfrm>
             <a:prstGeom prst="rect">
               <a:avLst/>
@@ -3717,7 +3738,7 @@
                   <a:latin typeface="HY강B" panose="02030600000101010101" pitchFamily="18" charset="-127"/>
                   <a:ea typeface="HY강B" panose="02030600000101010101" pitchFamily="18" charset="-127"/>
                 </a:rPr>
-                <a:t>프로그램 소개</a:t>
+                <a:t>화면 구현</a:t>
               </a:r>
               <a:endParaRPr lang="en-US" altLang="ko-KR" sz="2400" dirty="0" smtClean="0">
                 <a:latin typeface="HY강B" panose="02030600000101010101" pitchFamily="18" charset="-127"/>
@@ -3834,7 +3855,7 @@
           <p:spPr>
             <a:xfrm>
               <a:off x="2294174" y="2857555"/>
-              <a:ext cx="2140330" cy="461665"/>
+              <a:ext cx="1518364" cy="461665"/>
             </a:xfrm>
             <a:prstGeom prst="rect">
               <a:avLst/>
@@ -3852,7 +3873,7 @@
                   <a:latin typeface="HY강B" panose="02030600000101010101" pitchFamily="18" charset="-127"/>
                   <a:ea typeface="HY강B" panose="02030600000101010101" pitchFamily="18" charset="-127"/>
                 </a:rPr>
-                <a:t>프로그램 소개</a:t>
+                <a:t>코드 소개</a:t>
               </a:r>
               <a:endParaRPr lang="en-US" altLang="ko-KR" sz="2400" dirty="0" smtClean="0">
                 <a:latin typeface="HY강B" panose="02030600000101010101" pitchFamily="18" charset="-127"/>
@@ -4383,10 +4404,1463 @@
           </a:p>
         </p:txBody>
       </p:sp>
+      <p:pic>
+        <p:nvPicPr>
+          <p:cNvPr id="2" name="그림 1"/>
+          <p:cNvPicPr>
+            <a:picLocks noChangeAspect="1"/>
+          </p:cNvPicPr>
+          <p:nvPr/>
+        </p:nvPicPr>
+        <p:blipFill>
+          <a:blip r:embed="rId3">
+            <a:extLst>
+              <a:ext uri="{28A0092B-C50C-407E-A947-70E740481C1C}">
+                <a14:useLocalDpi xmlns:a14="http://schemas.microsoft.com/office/drawing/2010/main" val="0"/>
+              </a:ext>
+            </a:extLst>
+          </a:blip>
+          <a:stretch>
+            <a:fillRect/>
+          </a:stretch>
+        </p:blipFill>
+        <p:spPr>
+          <a:xfrm>
+            <a:off x="4427984" y="1764966"/>
+            <a:ext cx="3651222" cy="4336180"/>
+          </a:xfrm>
+          <a:prstGeom prst="rect">
+            <a:avLst/>
+          </a:prstGeom>
+          <a:effectLst>
+            <a:outerShdw blurRad="50800" dist="38100" dir="2700000" algn="tl" rotWithShape="0">
+              <a:prstClr val="black">
+                <a:alpha val="40000"/>
+              </a:prstClr>
+            </a:outerShdw>
+          </a:effectLst>
+        </p:spPr>
+      </p:pic>
+      <p:sp>
+        <p:nvSpPr>
+          <p:cNvPr id="8" name="TextBox 7"/>
+          <p:cNvSpPr txBox="1"/>
+          <p:nvPr/>
+        </p:nvSpPr>
+        <p:spPr>
+          <a:xfrm>
+            <a:off x="827584" y="3501008"/>
+            <a:ext cx="3168352" cy="1477328"/>
+          </a:xfrm>
+          <a:prstGeom prst="rect">
+            <a:avLst/>
+          </a:prstGeom>
+          <a:noFill/>
+        </p:spPr>
+        <p:txBody>
+          <a:bodyPr wrap="square" rtlCol="0">
+            <a:spAutoFit/>
+          </a:bodyPr>
+          <a:lstStyle/>
+          <a:p>
+            <a:r>
+              <a:rPr lang="ko-KR" altLang="en-US" dirty="0" smtClean="0"/>
+              <a:t>프로그램이 켜짐과 동시에 </a:t>
+            </a:r>
+            <a:r>
+              <a:rPr lang="en-US" altLang="ko-KR" dirty="0" smtClean="0"/>
+              <a:t>DB</a:t>
+            </a:r>
+            <a:r>
+              <a:rPr lang="ko-KR" altLang="en-US" dirty="0" smtClean="0"/>
+              <a:t>연동하고</a:t>
+            </a:r>
+            <a:r>
+              <a:rPr lang="en-US" altLang="ko-KR" dirty="0" smtClean="0"/>
+              <a:t>, </a:t>
+            </a:r>
+            <a:r>
+              <a:rPr lang="ko-KR" altLang="en-US" dirty="0" smtClean="0"/>
+              <a:t>차량</a:t>
+            </a:r>
+            <a:r>
+              <a:rPr lang="en-US" altLang="ko-KR" dirty="0" smtClean="0"/>
+              <a:t>, </a:t>
+            </a:r>
+            <a:r>
+              <a:rPr lang="ko-KR" altLang="en-US" dirty="0" smtClean="0"/>
+              <a:t>고객</a:t>
+            </a:r>
+            <a:r>
+              <a:rPr lang="en-US" altLang="ko-KR" dirty="0" smtClean="0"/>
+              <a:t>, </a:t>
+            </a:r>
+            <a:r>
+              <a:rPr lang="ko-KR" altLang="en-US" dirty="0" smtClean="0"/>
+              <a:t>판매원 정보를 기반으로 거래정보를 저장하고 관리할 수 있도록 설계했습니다</a:t>
+            </a:r>
+            <a:r>
+              <a:rPr lang="en-US" altLang="ko-KR" dirty="0" smtClean="0"/>
+              <a:t>.</a:t>
+            </a:r>
+            <a:endParaRPr lang="ko-KR" altLang="en-US" dirty="0"/>
+          </a:p>
+        </p:txBody>
+      </p:sp>
+      <p:sp>
+        <p:nvSpPr>
+          <p:cNvPr id="9" name="TextBox 8"/>
+          <p:cNvSpPr txBox="1"/>
+          <p:nvPr/>
+        </p:nvSpPr>
+        <p:spPr>
+          <a:xfrm>
+            <a:off x="1937175" y="2755023"/>
+            <a:ext cx="877163" cy="369332"/>
+          </a:xfrm>
+          <a:prstGeom prst="rect">
+            <a:avLst/>
+          </a:prstGeom>
+          <a:noFill/>
+        </p:spPr>
+        <p:txBody>
+          <a:bodyPr wrap="none" rtlCol="0">
+            <a:spAutoFit/>
+          </a:bodyPr>
+          <a:lstStyle/>
+          <a:p>
+            <a:r>
+              <a:rPr lang="ko-KR" altLang="en-US" b="1" dirty="0" smtClean="0"/>
+              <a:t>순서도</a:t>
+            </a:r>
+            <a:endParaRPr lang="ko-KR" altLang="en-US" b="1" dirty="0"/>
+          </a:p>
+        </p:txBody>
+      </p:sp>
     </p:spTree>
     <p:extLst>
       <p:ext uri="{BB962C8B-B14F-4D97-AF65-F5344CB8AC3E}">
         <p14:creationId xmlns:p14="http://schemas.microsoft.com/office/powerpoint/2010/main" val="2631975196"/>
+      </p:ext>
+    </p:extLst>
+  </p:cSld>
+  <p:clrMapOvr>
+    <a:masterClrMapping/>
+  </p:clrMapOvr>
+</p:sld>
+</file>
+
+<file path=ppt/slides/slide5.xml><?xml version="1.0" encoding="utf-8"?>
+<p:sld xmlns:a="http://schemas.openxmlformats.org/drawingml/2006/main" xmlns:r="http://schemas.openxmlformats.org/officeDocument/2006/relationships" xmlns:p="http://schemas.openxmlformats.org/presentationml/2006/main">
+  <p:cSld>
+    <p:spTree>
+      <p:nvGrpSpPr>
+        <p:cNvPr id="1" name=""/>
+        <p:cNvGrpSpPr/>
+        <p:nvPr/>
+      </p:nvGrpSpPr>
+      <p:grpSpPr>
+        <a:xfrm>
+          <a:off x="0" y="0"/>
+          <a:ext cx="0" cy="0"/>
+          <a:chOff x="0" y="0"/>
+          <a:chExt cx="0" cy="0"/>
+        </a:xfrm>
+      </p:grpSpPr>
+      <p:sp>
+        <p:nvSpPr>
+          <p:cNvPr id="5" name="액자 4"/>
+          <p:cNvSpPr/>
+          <p:nvPr/>
+        </p:nvSpPr>
+        <p:spPr>
+          <a:xfrm>
+            <a:off x="323528" y="1340768"/>
+            <a:ext cx="8496944" cy="5184576"/>
+          </a:xfrm>
+          <a:prstGeom prst="frame">
+            <a:avLst>
+              <a:gd name="adj1" fmla="val 3557"/>
+            </a:avLst>
+          </a:prstGeom>
+          <a:solidFill>
+            <a:srgbClr val="FFC000"/>
+          </a:solidFill>
+          <a:ln>
+            <a:solidFill>
+              <a:schemeClr val="accent6">
+                <a:lumMod val="75000"/>
+              </a:schemeClr>
+            </a:solidFill>
+          </a:ln>
+        </p:spPr>
+        <p:style>
+          <a:lnRef idx="2">
+            <a:schemeClr val="accent1">
+              <a:shade val="50000"/>
+            </a:schemeClr>
+          </a:lnRef>
+          <a:fillRef idx="1">
+            <a:schemeClr val="accent1"/>
+          </a:fillRef>
+          <a:effectRef idx="0">
+            <a:schemeClr val="accent1"/>
+          </a:effectRef>
+          <a:fontRef idx="minor">
+            <a:schemeClr val="lt1"/>
+          </a:fontRef>
+        </p:style>
+        <p:txBody>
+          <a:bodyPr rtlCol="0" anchor="ctr"/>
+          <a:lstStyle/>
+          <a:p>
+            <a:pPr algn="ctr"/>
+            <a:endParaRPr lang="ko-KR" altLang="en-US">
+              <a:solidFill>
+                <a:schemeClr val="tx1"/>
+              </a:solidFill>
+            </a:endParaRPr>
+          </a:p>
+        </p:txBody>
+      </p:sp>
+      <p:sp>
+        <p:nvSpPr>
+          <p:cNvPr id="7" name="TextBox 6"/>
+          <p:cNvSpPr txBox="1"/>
+          <p:nvPr/>
+        </p:nvSpPr>
+        <p:spPr>
+          <a:xfrm>
+            <a:off x="3707904" y="392459"/>
+            <a:ext cx="1962397" cy="584775"/>
+          </a:xfrm>
+          <a:prstGeom prst="rect">
+            <a:avLst/>
+          </a:prstGeom>
+          <a:noFill/>
+        </p:spPr>
+        <p:txBody>
+          <a:bodyPr wrap="none" rtlCol="0">
+            <a:spAutoFit/>
+          </a:bodyPr>
+          <a:lstStyle/>
+          <a:p>
+            <a:r>
+              <a:rPr lang="ko-KR" altLang="en-US" sz="3200" dirty="0" smtClean="0">
+                <a:latin typeface="HY강B" panose="02030600000101010101" pitchFamily="18" charset="-127"/>
+                <a:ea typeface="HY강B" panose="02030600000101010101" pitchFamily="18" charset="-127"/>
+              </a:rPr>
+              <a:t>코드 소개</a:t>
+            </a:r>
+            <a:endParaRPr lang="en-US" altLang="ko-KR" sz="3200" dirty="0" smtClean="0">
+              <a:latin typeface="HY강B" panose="02030600000101010101" pitchFamily="18" charset="-127"/>
+              <a:ea typeface="HY강B" panose="02030600000101010101" pitchFamily="18" charset="-127"/>
+            </a:endParaRPr>
+          </a:p>
+        </p:txBody>
+      </p:sp>
+      <p:sp>
+        <p:nvSpPr>
+          <p:cNvPr id="8" name="TextBox 7"/>
+          <p:cNvSpPr txBox="1"/>
+          <p:nvPr/>
+        </p:nvSpPr>
+        <p:spPr>
+          <a:xfrm>
+            <a:off x="899592" y="4077072"/>
+            <a:ext cx="3168352" cy="646331"/>
+          </a:xfrm>
+          <a:prstGeom prst="rect">
+            <a:avLst/>
+          </a:prstGeom>
+          <a:noFill/>
+        </p:spPr>
+        <p:txBody>
+          <a:bodyPr wrap="square" rtlCol="0">
+            <a:spAutoFit/>
+          </a:bodyPr>
+          <a:lstStyle/>
+          <a:p>
+            <a:r>
+              <a:rPr lang="en-US" altLang="ko-KR" dirty="0" err="1" smtClean="0"/>
+              <a:t>DaoOracle</a:t>
+            </a:r>
+            <a:r>
+              <a:rPr lang="en-US" altLang="ko-KR" dirty="0" smtClean="0"/>
+              <a:t> </a:t>
+            </a:r>
+            <a:r>
+              <a:rPr lang="ko-KR" altLang="en-US" dirty="0" smtClean="0"/>
+              <a:t>객체 생성 시</a:t>
+            </a:r>
+            <a:r>
+              <a:rPr lang="en-US" altLang="ko-KR" dirty="0" smtClean="0"/>
+              <a:t>, </a:t>
+            </a:r>
+            <a:r>
+              <a:rPr lang="en-US" altLang="ko-KR" dirty="0" err="1" smtClean="0"/>
+              <a:t>scott</a:t>
+            </a:r>
+            <a:r>
+              <a:rPr lang="ko-KR" altLang="en-US" dirty="0" smtClean="0"/>
+              <a:t>계정으로 </a:t>
+            </a:r>
+            <a:r>
+              <a:rPr lang="en-US" altLang="ko-KR" dirty="0" smtClean="0"/>
+              <a:t>Oracle </a:t>
+            </a:r>
+            <a:r>
+              <a:rPr lang="ko-KR" altLang="en-US" dirty="0" smtClean="0"/>
+              <a:t>접속</a:t>
+            </a:r>
+            <a:endParaRPr lang="ko-KR" altLang="en-US" dirty="0"/>
+          </a:p>
+        </p:txBody>
+      </p:sp>
+      <p:sp>
+        <p:nvSpPr>
+          <p:cNvPr id="9" name="TextBox 8"/>
+          <p:cNvSpPr txBox="1"/>
+          <p:nvPr/>
+        </p:nvSpPr>
+        <p:spPr>
+          <a:xfrm>
+            <a:off x="1744203" y="3341307"/>
+            <a:ext cx="1047082" cy="369332"/>
+          </a:xfrm>
+          <a:prstGeom prst="rect">
+            <a:avLst/>
+          </a:prstGeom>
+          <a:noFill/>
+        </p:spPr>
+        <p:txBody>
+          <a:bodyPr wrap="none" rtlCol="0">
+            <a:spAutoFit/>
+          </a:bodyPr>
+          <a:lstStyle/>
+          <a:p>
+            <a:r>
+              <a:rPr lang="en-US" altLang="ko-KR" b="1" dirty="0" smtClean="0"/>
+              <a:t>DB </a:t>
+            </a:r>
+            <a:r>
+              <a:rPr lang="ko-KR" altLang="en-US" b="1" dirty="0" smtClean="0"/>
+              <a:t>접속</a:t>
+            </a:r>
+            <a:endParaRPr lang="ko-KR" altLang="en-US" b="1" dirty="0"/>
+          </a:p>
+        </p:txBody>
+      </p:sp>
+      <p:pic>
+        <p:nvPicPr>
+          <p:cNvPr id="14" name="그림 13"/>
+          <p:cNvPicPr>
+            <a:picLocks noChangeAspect="1"/>
+          </p:cNvPicPr>
+          <p:nvPr/>
+        </p:nvPicPr>
+        <p:blipFill>
+          <a:blip r:embed="rId2" cstate="print">
+            <a:extLst>
+              <a:ext uri="{28A0092B-C50C-407E-A947-70E740481C1C}">
+                <a14:useLocalDpi xmlns:a14="http://schemas.microsoft.com/office/drawing/2010/main" val="0"/>
+              </a:ext>
+            </a:extLst>
+          </a:blip>
+          <a:stretch>
+            <a:fillRect/>
+          </a:stretch>
+        </p:blipFill>
+        <p:spPr>
+          <a:xfrm>
+            <a:off x="2411760" y="285857"/>
+            <a:ext cx="817200" cy="817200"/>
+          </a:xfrm>
+          <a:prstGeom prst="rect">
+            <a:avLst/>
+          </a:prstGeom>
+        </p:spPr>
+      </p:pic>
+      <p:pic>
+        <p:nvPicPr>
+          <p:cNvPr id="3" name="그림 2"/>
+          <p:cNvPicPr>
+            <a:picLocks noChangeAspect="1"/>
+          </p:cNvPicPr>
+          <p:nvPr/>
+        </p:nvPicPr>
+        <p:blipFill>
+          <a:blip r:embed="rId3"/>
+          <a:stretch>
+            <a:fillRect/>
+          </a:stretch>
+        </p:blipFill>
+        <p:spPr>
+          <a:xfrm>
+            <a:off x="4211960" y="3100428"/>
+            <a:ext cx="4217739" cy="2054135"/>
+          </a:xfrm>
+          <a:prstGeom prst="rect">
+            <a:avLst/>
+          </a:prstGeom>
+        </p:spPr>
+      </p:pic>
+    </p:spTree>
+    <p:extLst>
+      <p:ext uri="{BB962C8B-B14F-4D97-AF65-F5344CB8AC3E}">
+        <p14:creationId xmlns:p14="http://schemas.microsoft.com/office/powerpoint/2010/main" val="2064252458"/>
+      </p:ext>
+    </p:extLst>
+  </p:cSld>
+  <p:clrMapOvr>
+    <a:masterClrMapping/>
+  </p:clrMapOvr>
+</p:sld>
+</file>
+
+<file path=ppt/slides/slide6.xml><?xml version="1.0" encoding="utf-8"?>
+<p:sld xmlns:a="http://schemas.openxmlformats.org/drawingml/2006/main" xmlns:r="http://schemas.openxmlformats.org/officeDocument/2006/relationships" xmlns:p="http://schemas.openxmlformats.org/presentationml/2006/main">
+  <p:cSld>
+    <p:spTree>
+      <p:nvGrpSpPr>
+        <p:cNvPr id="1" name=""/>
+        <p:cNvGrpSpPr/>
+        <p:nvPr/>
+      </p:nvGrpSpPr>
+      <p:grpSpPr>
+        <a:xfrm>
+          <a:off x="0" y="0"/>
+          <a:ext cx="0" cy="0"/>
+          <a:chOff x="0" y="0"/>
+          <a:chExt cx="0" cy="0"/>
+        </a:xfrm>
+      </p:grpSpPr>
+      <p:sp>
+        <p:nvSpPr>
+          <p:cNvPr id="5" name="액자 4"/>
+          <p:cNvSpPr/>
+          <p:nvPr/>
+        </p:nvSpPr>
+        <p:spPr>
+          <a:xfrm>
+            <a:off x="323528" y="1340768"/>
+            <a:ext cx="8496944" cy="5184576"/>
+          </a:xfrm>
+          <a:prstGeom prst="frame">
+            <a:avLst>
+              <a:gd name="adj1" fmla="val 3557"/>
+            </a:avLst>
+          </a:prstGeom>
+          <a:solidFill>
+            <a:srgbClr val="FFC000"/>
+          </a:solidFill>
+          <a:ln>
+            <a:solidFill>
+              <a:schemeClr val="accent6">
+                <a:lumMod val="75000"/>
+              </a:schemeClr>
+            </a:solidFill>
+          </a:ln>
+        </p:spPr>
+        <p:style>
+          <a:lnRef idx="2">
+            <a:schemeClr val="accent1">
+              <a:shade val="50000"/>
+            </a:schemeClr>
+          </a:lnRef>
+          <a:fillRef idx="1">
+            <a:schemeClr val="accent1"/>
+          </a:fillRef>
+          <a:effectRef idx="0">
+            <a:schemeClr val="accent1"/>
+          </a:effectRef>
+          <a:fontRef idx="minor">
+            <a:schemeClr val="lt1"/>
+          </a:fontRef>
+        </p:style>
+        <p:txBody>
+          <a:bodyPr rtlCol="0" anchor="ctr"/>
+          <a:lstStyle/>
+          <a:p>
+            <a:pPr algn="ctr"/>
+            <a:endParaRPr lang="ko-KR" altLang="en-US">
+              <a:solidFill>
+                <a:schemeClr val="tx1"/>
+              </a:solidFill>
+            </a:endParaRPr>
+          </a:p>
+        </p:txBody>
+      </p:sp>
+      <p:sp>
+        <p:nvSpPr>
+          <p:cNvPr id="7" name="TextBox 6"/>
+          <p:cNvSpPr txBox="1"/>
+          <p:nvPr/>
+        </p:nvSpPr>
+        <p:spPr>
+          <a:xfrm>
+            <a:off x="3707904" y="392459"/>
+            <a:ext cx="1962397" cy="584775"/>
+          </a:xfrm>
+          <a:prstGeom prst="rect">
+            <a:avLst/>
+          </a:prstGeom>
+          <a:noFill/>
+        </p:spPr>
+        <p:txBody>
+          <a:bodyPr wrap="none" rtlCol="0">
+            <a:spAutoFit/>
+          </a:bodyPr>
+          <a:lstStyle/>
+          <a:p>
+            <a:r>
+              <a:rPr lang="ko-KR" altLang="en-US" sz="3200" dirty="0" smtClean="0">
+                <a:latin typeface="HY강B" panose="02030600000101010101" pitchFamily="18" charset="-127"/>
+                <a:ea typeface="HY강B" panose="02030600000101010101" pitchFamily="18" charset="-127"/>
+              </a:rPr>
+              <a:t>코드 소개</a:t>
+            </a:r>
+            <a:endParaRPr lang="en-US" altLang="ko-KR" sz="3200" dirty="0" smtClean="0">
+              <a:latin typeface="HY강B" panose="02030600000101010101" pitchFamily="18" charset="-127"/>
+              <a:ea typeface="HY강B" panose="02030600000101010101" pitchFamily="18" charset="-127"/>
+            </a:endParaRPr>
+          </a:p>
+        </p:txBody>
+      </p:sp>
+      <p:sp>
+        <p:nvSpPr>
+          <p:cNvPr id="8" name="TextBox 7"/>
+          <p:cNvSpPr txBox="1"/>
+          <p:nvPr/>
+        </p:nvSpPr>
+        <p:spPr>
+          <a:xfrm>
+            <a:off x="698367" y="3977200"/>
+            <a:ext cx="3024336" cy="923330"/>
+          </a:xfrm>
+          <a:prstGeom prst="rect">
+            <a:avLst/>
+          </a:prstGeom>
+          <a:noFill/>
+        </p:spPr>
+        <p:txBody>
+          <a:bodyPr wrap="square" rtlCol="0">
+            <a:spAutoFit/>
+          </a:bodyPr>
+          <a:lstStyle/>
+          <a:p>
+            <a:r>
+              <a:rPr lang="ko-KR" altLang="en-US" dirty="0" smtClean="0"/>
+              <a:t>테이블을 생성하는 </a:t>
+            </a:r>
+            <a:r>
+              <a:rPr lang="en-US" altLang="ko-KR" dirty="0" smtClean="0"/>
+              <a:t>query</a:t>
+            </a:r>
+            <a:r>
+              <a:rPr lang="ko-KR" altLang="en-US" dirty="0" smtClean="0"/>
+              <a:t>를 작성하여 </a:t>
+            </a:r>
+            <a:r>
+              <a:rPr lang="en-US" altLang="ko-KR" dirty="0" smtClean="0"/>
+              <a:t>Oracle</a:t>
+            </a:r>
+            <a:r>
+              <a:rPr lang="ko-KR" altLang="en-US" dirty="0" smtClean="0"/>
+              <a:t>로 </a:t>
+            </a:r>
+            <a:r>
+              <a:rPr lang="en-US" altLang="ko-KR" dirty="0" smtClean="0"/>
+              <a:t>query</a:t>
+            </a:r>
+            <a:r>
+              <a:rPr lang="ko-KR" altLang="en-US" dirty="0" smtClean="0"/>
+              <a:t>실행</a:t>
+            </a:r>
+            <a:endParaRPr lang="ko-KR" altLang="en-US" dirty="0"/>
+          </a:p>
+        </p:txBody>
+      </p:sp>
+      <p:sp>
+        <p:nvSpPr>
+          <p:cNvPr id="9" name="TextBox 8"/>
+          <p:cNvSpPr txBox="1"/>
+          <p:nvPr/>
+        </p:nvSpPr>
+        <p:spPr>
+          <a:xfrm>
+            <a:off x="1449441" y="3244334"/>
+            <a:ext cx="1420582" cy="369332"/>
+          </a:xfrm>
+          <a:prstGeom prst="rect">
+            <a:avLst/>
+          </a:prstGeom>
+          <a:noFill/>
+        </p:spPr>
+        <p:txBody>
+          <a:bodyPr wrap="none" rtlCol="0">
+            <a:spAutoFit/>
+          </a:bodyPr>
+          <a:lstStyle/>
+          <a:p>
+            <a:r>
+              <a:rPr lang="ko-KR" altLang="en-US" b="1" dirty="0" smtClean="0"/>
+              <a:t>테이블 생성</a:t>
+            </a:r>
+            <a:endParaRPr lang="ko-KR" altLang="en-US" b="1" dirty="0"/>
+          </a:p>
+        </p:txBody>
+      </p:sp>
+      <p:pic>
+        <p:nvPicPr>
+          <p:cNvPr id="14" name="그림 13"/>
+          <p:cNvPicPr>
+            <a:picLocks noChangeAspect="1"/>
+          </p:cNvPicPr>
+          <p:nvPr/>
+        </p:nvPicPr>
+        <p:blipFill>
+          <a:blip r:embed="rId2" cstate="print">
+            <a:extLst>
+              <a:ext uri="{28A0092B-C50C-407E-A947-70E740481C1C}">
+                <a14:useLocalDpi xmlns:a14="http://schemas.microsoft.com/office/drawing/2010/main" val="0"/>
+              </a:ext>
+            </a:extLst>
+          </a:blip>
+          <a:stretch>
+            <a:fillRect/>
+          </a:stretch>
+        </p:blipFill>
+        <p:spPr>
+          <a:xfrm>
+            <a:off x="2411760" y="285857"/>
+            <a:ext cx="817200" cy="817200"/>
+          </a:xfrm>
+          <a:prstGeom prst="rect">
+            <a:avLst/>
+          </a:prstGeom>
+        </p:spPr>
+      </p:pic>
+      <p:pic>
+        <p:nvPicPr>
+          <p:cNvPr id="2" name="그림 1"/>
+          <p:cNvPicPr>
+            <a:picLocks noChangeAspect="1"/>
+          </p:cNvPicPr>
+          <p:nvPr/>
+        </p:nvPicPr>
+        <p:blipFill>
+          <a:blip r:embed="rId3"/>
+          <a:stretch>
+            <a:fillRect/>
+          </a:stretch>
+        </p:blipFill>
+        <p:spPr>
+          <a:xfrm>
+            <a:off x="3995935" y="2780928"/>
+            <a:ext cx="4443283" cy="2278211"/>
+          </a:xfrm>
+          <a:prstGeom prst="rect">
+            <a:avLst/>
+          </a:prstGeom>
+        </p:spPr>
+      </p:pic>
+    </p:spTree>
+    <p:extLst>
+      <p:ext uri="{BB962C8B-B14F-4D97-AF65-F5344CB8AC3E}">
+        <p14:creationId xmlns:p14="http://schemas.microsoft.com/office/powerpoint/2010/main" val="2805351407"/>
+      </p:ext>
+    </p:extLst>
+  </p:cSld>
+  <p:clrMapOvr>
+    <a:masterClrMapping/>
+  </p:clrMapOvr>
+</p:sld>
+</file>
+
+<file path=ppt/slides/slide7.xml><?xml version="1.0" encoding="utf-8"?>
+<p:sld xmlns:a="http://schemas.openxmlformats.org/drawingml/2006/main" xmlns:r="http://schemas.openxmlformats.org/officeDocument/2006/relationships" xmlns:p="http://schemas.openxmlformats.org/presentationml/2006/main">
+  <p:cSld>
+    <p:spTree>
+      <p:nvGrpSpPr>
+        <p:cNvPr id="1" name=""/>
+        <p:cNvGrpSpPr/>
+        <p:nvPr/>
+      </p:nvGrpSpPr>
+      <p:grpSpPr>
+        <a:xfrm>
+          <a:off x="0" y="0"/>
+          <a:ext cx="0" cy="0"/>
+          <a:chOff x="0" y="0"/>
+          <a:chExt cx="0" cy="0"/>
+        </a:xfrm>
+      </p:grpSpPr>
+      <p:sp>
+        <p:nvSpPr>
+          <p:cNvPr id="5" name="액자 4"/>
+          <p:cNvSpPr/>
+          <p:nvPr/>
+        </p:nvSpPr>
+        <p:spPr>
+          <a:xfrm>
+            <a:off x="323528" y="1340768"/>
+            <a:ext cx="8496944" cy="5184576"/>
+          </a:xfrm>
+          <a:prstGeom prst="frame">
+            <a:avLst>
+              <a:gd name="adj1" fmla="val 3557"/>
+            </a:avLst>
+          </a:prstGeom>
+          <a:solidFill>
+            <a:srgbClr val="FFC000"/>
+          </a:solidFill>
+          <a:ln>
+            <a:solidFill>
+              <a:schemeClr val="accent6">
+                <a:lumMod val="75000"/>
+              </a:schemeClr>
+            </a:solidFill>
+          </a:ln>
+        </p:spPr>
+        <p:style>
+          <a:lnRef idx="2">
+            <a:schemeClr val="accent1">
+              <a:shade val="50000"/>
+            </a:schemeClr>
+          </a:lnRef>
+          <a:fillRef idx="1">
+            <a:schemeClr val="accent1"/>
+          </a:fillRef>
+          <a:effectRef idx="0">
+            <a:schemeClr val="accent1"/>
+          </a:effectRef>
+          <a:fontRef idx="minor">
+            <a:schemeClr val="lt1"/>
+          </a:fontRef>
+        </p:style>
+        <p:txBody>
+          <a:bodyPr rtlCol="0" anchor="ctr"/>
+          <a:lstStyle/>
+          <a:p>
+            <a:pPr algn="ctr"/>
+            <a:endParaRPr lang="ko-KR" altLang="en-US">
+              <a:solidFill>
+                <a:schemeClr val="tx1"/>
+              </a:solidFill>
+            </a:endParaRPr>
+          </a:p>
+        </p:txBody>
+      </p:sp>
+      <p:sp>
+        <p:nvSpPr>
+          <p:cNvPr id="7" name="TextBox 6"/>
+          <p:cNvSpPr txBox="1"/>
+          <p:nvPr/>
+        </p:nvSpPr>
+        <p:spPr>
+          <a:xfrm>
+            <a:off x="3707904" y="392459"/>
+            <a:ext cx="1962397" cy="584775"/>
+          </a:xfrm>
+          <a:prstGeom prst="rect">
+            <a:avLst/>
+          </a:prstGeom>
+          <a:noFill/>
+        </p:spPr>
+        <p:txBody>
+          <a:bodyPr wrap="none" rtlCol="0">
+            <a:spAutoFit/>
+          </a:bodyPr>
+          <a:lstStyle/>
+          <a:p>
+            <a:r>
+              <a:rPr lang="ko-KR" altLang="en-US" sz="3200" dirty="0" smtClean="0">
+                <a:latin typeface="HY강B" panose="02030600000101010101" pitchFamily="18" charset="-127"/>
+                <a:ea typeface="HY강B" panose="02030600000101010101" pitchFamily="18" charset="-127"/>
+              </a:rPr>
+              <a:t>코드 소개</a:t>
+            </a:r>
+            <a:endParaRPr lang="en-US" altLang="ko-KR" sz="3200" dirty="0" smtClean="0">
+              <a:latin typeface="HY강B" panose="02030600000101010101" pitchFamily="18" charset="-127"/>
+              <a:ea typeface="HY강B" panose="02030600000101010101" pitchFamily="18" charset="-127"/>
+            </a:endParaRPr>
+          </a:p>
+        </p:txBody>
+      </p:sp>
+      <p:sp>
+        <p:nvSpPr>
+          <p:cNvPr id="8" name="TextBox 7"/>
+          <p:cNvSpPr txBox="1"/>
+          <p:nvPr/>
+        </p:nvSpPr>
+        <p:spPr>
+          <a:xfrm>
+            <a:off x="738990" y="3801826"/>
+            <a:ext cx="3024336" cy="1200329"/>
+          </a:xfrm>
+          <a:prstGeom prst="rect">
+            <a:avLst/>
+          </a:prstGeom>
+          <a:noFill/>
+        </p:spPr>
+        <p:txBody>
+          <a:bodyPr wrap="square" rtlCol="0">
+            <a:spAutoFit/>
+          </a:bodyPr>
+          <a:lstStyle/>
+          <a:p>
+            <a:r>
+              <a:rPr lang="ko-KR" altLang="en-US" dirty="0" smtClean="0"/>
+              <a:t>테이블 이름과 시퀀스 이름을 매개변수로 입력 받아</a:t>
+            </a:r>
+            <a:r>
+              <a:rPr lang="en-US" altLang="ko-KR" dirty="0" smtClean="0"/>
+              <a:t>, </a:t>
+            </a:r>
+            <a:r>
+              <a:rPr lang="ko-KR" altLang="en-US" dirty="0" smtClean="0"/>
+              <a:t>해당 테이블과 시퀀스 삭제</a:t>
+            </a:r>
+            <a:r>
+              <a:rPr lang="en-US" altLang="ko-KR" dirty="0" smtClean="0"/>
+              <a:t>(</a:t>
+            </a:r>
+            <a:r>
+              <a:rPr lang="ko-KR" altLang="en-US" dirty="0" smtClean="0"/>
+              <a:t>참조 무시</a:t>
+            </a:r>
+            <a:r>
+              <a:rPr lang="en-US" altLang="ko-KR" dirty="0" smtClean="0"/>
+              <a:t>)</a:t>
+            </a:r>
+            <a:endParaRPr lang="ko-KR" altLang="en-US" dirty="0"/>
+          </a:p>
+        </p:txBody>
+      </p:sp>
+      <p:sp>
+        <p:nvSpPr>
+          <p:cNvPr id="9" name="TextBox 8"/>
+          <p:cNvSpPr txBox="1"/>
+          <p:nvPr/>
+        </p:nvSpPr>
+        <p:spPr>
+          <a:xfrm>
+            <a:off x="1490064" y="3068960"/>
+            <a:ext cx="1420582" cy="369332"/>
+          </a:xfrm>
+          <a:prstGeom prst="rect">
+            <a:avLst/>
+          </a:prstGeom>
+          <a:noFill/>
+        </p:spPr>
+        <p:txBody>
+          <a:bodyPr wrap="none" rtlCol="0">
+            <a:spAutoFit/>
+          </a:bodyPr>
+          <a:lstStyle/>
+          <a:p>
+            <a:r>
+              <a:rPr lang="ko-KR" altLang="en-US" b="1" dirty="0" smtClean="0"/>
+              <a:t>테이블 삭제</a:t>
+            </a:r>
+            <a:endParaRPr lang="ko-KR" altLang="en-US" b="1" dirty="0"/>
+          </a:p>
+        </p:txBody>
+      </p:sp>
+      <p:pic>
+        <p:nvPicPr>
+          <p:cNvPr id="14" name="그림 13"/>
+          <p:cNvPicPr>
+            <a:picLocks noChangeAspect="1"/>
+          </p:cNvPicPr>
+          <p:nvPr/>
+        </p:nvPicPr>
+        <p:blipFill>
+          <a:blip r:embed="rId2" cstate="print">
+            <a:extLst>
+              <a:ext uri="{28A0092B-C50C-407E-A947-70E740481C1C}">
+                <a14:useLocalDpi xmlns:a14="http://schemas.microsoft.com/office/drawing/2010/main" val="0"/>
+              </a:ext>
+            </a:extLst>
+          </a:blip>
+          <a:stretch>
+            <a:fillRect/>
+          </a:stretch>
+        </p:blipFill>
+        <p:spPr>
+          <a:xfrm>
+            <a:off x="2411760" y="285857"/>
+            <a:ext cx="817200" cy="817200"/>
+          </a:xfrm>
+          <a:prstGeom prst="rect">
+            <a:avLst/>
+          </a:prstGeom>
+        </p:spPr>
+      </p:pic>
+      <p:pic>
+        <p:nvPicPr>
+          <p:cNvPr id="3" name="그림 2"/>
+          <p:cNvPicPr>
+            <a:picLocks noChangeAspect="1"/>
+          </p:cNvPicPr>
+          <p:nvPr/>
+        </p:nvPicPr>
+        <p:blipFill>
+          <a:blip r:embed="rId3"/>
+          <a:stretch>
+            <a:fillRect/>
+          </a:stretch>
+        </p:blipFill>
+        <p:spPr>
+          <a:xfrm>
+            <a:off x="3851920" y="2900053"/>
+            <a:ext cx="4593713" cy="2154293"/>
+          </a:xfrm>
+          <a:prstGeom prst="rect">
+            <a:avLst/>
+          </a:prstGeom>
+        </p:spPr>
+      </p:pic>
+    </p:spTree>
+    <p:extLst>
+      <p:ext uri="{BB962C8B-B14F-4D97-AF65-F5344CB8AC3E}">
+        <p14:creationId xmlns:p14="http://schemas.microsoft.com/office/powerpoint/2010/main" val="3976600188"/>
+      </p:ext>
+    </p:extLst>
+  </p:cSld>
+  <p:clrMapOvr>
+    <a:masterClrMapping/>
+  </p:clrMapOvr>
+</p:sld>
+</file>
+
+<file path=ppt/slides/slide8.xml><?xml version="1.0" encoding="utf-8"?>
+<p:sld xmlns:a="http://schemas.openxmlformats.org/drawingml/2006/main" xmlns:r="http://schemas.openxmlformats.org/officeDocument/2006/relationships" xmlns:p="http://schemas.openxmlformats.org/presentationml/2006/main">
+  <p:cSld>
+    <p:spTree>
+      <p:nvGrpSpPr>
+        <p:cNvPr id="1" name=""/>
+        <p:cNvGrpSpPr/>
+        <p:nvPr/>
+      </p:nvGrpSpPr>
+      <p:grpSpPr>
+        <a:xfrm>
+          <a:off x="0" y="0"/>
+          <a:ext cx="0" cy="0"/>
+          <a:chOff x="0" y="0"/>
+          <a:chExt cx="0" cy="0"/>
+        </a:xfrm>
+      </p:grpSpPr>
+      <p:sp>
+        <p:nvSpPr>
+          <p:cNvPr id="5" name="액자 4"/>
+          <p:cNvSpPr/>
+          <p:nvPr/>
+        </p:nvSpPr>
+        <p:spPr>
+          <a:xfrm>
+            <a:off x="323528" y="1340768"/>
+            <a:ext cx="8496944" cy="5184576"/>
+          </a:xfrm>
+          <a:prstGeom prst="frame">
+            <a:avLst>
+              <a:gd name="adj1" fmla="val 3557"/>
+            </a:avLst>
+          </a:prstGeom>
+          <a:solidFill>
+            <a:srgbClr val="FFC000"/>
+          </a:solidFill>
+          <a:ln>
+            <a:solidFill>
+              <a:schemeClr val="accent6">
+                <a:lumMod val="75000"/>
+              </a:schemeClr>
+            </a:solidFill>
+          </a:ln>
+        </p:spPr>
+        <p:style>
+          <a:lnRef idx="2">
+            <a:schemeClr val="accent1">
+              <a:shade val="50000"/>
+            </a:schemeClr>
+          </a:lnRef>
+          <a:fillRef idx="1">
+            <a:schemeClr val="accent1"/>
+          </a:fillRef>
+          <a:effectRef idx="0">
+            <a:schemeClr val="accent1"/>
+          </a:effectRef>
+          <a:fontRef idx="minor">
+            <a:schemeClr val="lt1"/>
+          </a:fontRef>
+        </p:style>
+        <p:txBody>
+          <a:bodyPr rtlCol="0" anchor="ctr"/>
+          <a:lstStyle/>
+          <a:p>
+            <a:pPr algn="ctr"/>
+            <a:endParaRPr lang="ko-KR" altLang="en-US">
+              <a:solidFill>
+                <a:schemeClr val="tx1"/>
+              </a:solidFill>
+            </a:endParaRPr>
+          </a:p>
+        </p:txBody>
+      </p:sp>
+      <p:sp>
+        <p:nvSpPr>
+          <p:cNvPr id="7" name="TextBox 6"/>
+          <p:cNvSpPr txBox="1"/>
+          <p:nvPr/>
+        </p:nvSpPr>
+        <p:spPr>
+          <a:xfrm>
+            <a:off x="3707904" y="392459"/>
+            <a:ext cx="1962397" cy="584775"/>
+          </a:xfrm>
+          <a:prstGeom prst="rect">
+            <a:avLst/>
+          </a:prstGeom>
+          <a:noFill/>
+        </p:spPr>
+        <p:txBody>
+          <a:bodyPr wrap="none" rtlCol="0">
+            <a:spAutoFit/>
+          </a:bodyPr>
+          <a:lstStyle/>
+          <a:p>
+            <a:r>
+              <a:rPr lang="ko-KR" altLang="en-US" sz="3200" dirty="0" smtClean="0">
+                <a:latin typeface="HY강B" panose="02030600000101010101" pitchFamily="18" charset="-127"/>
+                <a:ea typeface="HY강B" panose="02030600000101010101" pitchFamily="18" charset="-127"/>
+              </a:rPr>
+              <a:t>코드 소개</a:t>
+            </a:r>
+            <a:endParaRPr lang="en-US" altLang="ko-KR" sz="3200" dirty="0" smtClean="0">
+              <a:latin typeface="HY강B" panose="02030600000101010101" pitchFamily="18" charset="-127"/>
+              <a:ea typeface="HY강B" panose="02030600000101010101" pitchFamily="18" charset="-127"/>
+            </a:endParaRPr>
+          </a:p>
+        </p:txBody>
+      </p:sp>
+      <p:sp>
+        <p:nvSpPr>
+          <p:cNvPr id="8" name="TextBox 7"/>
+          <p:cNvSpPr txBox="1"/>
+          <p:nvPr/>
+        </p:nvSpPr>
+        <p:spPr>
+          <a:xfrm>
+            <a:off x="868598" y="2845156"/>
+            <a:ext cx="3024336" cy="646331"/>
+          </a:xfrm>
+          <a:prstGeom prst="rect">
+            <a:avLst/>
+          </a:prstGeom>
+          <a:noFill/>
+        </p:spPr>
+        <p:txBody>
+          <a:bodyPr wrap="square" rtlCol="0">
+            <a:spAutoFit/>
+          </a:bodyPr>
+          <a:lstStyle/>
+          <a:p>
+            <a:r>
+              <a:rPr lang="ko-KR" altLang="en-US" dirty="0" smtClean="0"/>
+              <a:t>추가할 데이터를 객체로 받아 </a:t>
+            </a:r>
+            <a:r>
+              <a:rPr lang="en-US" altLang="ko-KR" dirty="0" smtClean="0"/>
+              <a:t>insert query</a:t>
+            </a:r>
+            <a:r>
+              <a:rPr lang="ko-KR" altLang="en-US" dirty="0" smtClean="0"/>
+              <a:t>로 추가</a:t>
+            </a:r>
+            <a:endParaRPr lang="ko-KR" altLang="en-US" dirty="0"/>
+          </a:p>
+        </p:txBody>
+      </p:sp>
+      <p:sp>
+        <p:nvSpPr>
+          <p:cNvPr id="9" name="TextBox 8"/>
+          <p:cNvSpPr txBox="1"/>
+          <p:nvPr/>
+        </p:nvSpPr>
+        <p:spPr>
+          <a:xfrm>
+            <a:off x="1619672" y="2112290"/>
+            <a:ext cx="1420582" cy="369332"/>
+          </a:xfrm>
+          <a:prstGeom prst="rect">
+            <a:avLst/>
+          </a:prstGeom>
+          <a:noFill/>
+        </p:spPr>
+        <p:txBody>
+          <a:bodyPr wrap="none" rtlCol="0">
+            <a:spAutoFit/>
+          </a:bodyPr>
+          <a:lstStyle/>
+          <a:p>
+            <a:r>
+              <a:rPr lang="ko-KR" altLang="en-US" b="1" dirty="0" smtClean="0"/>
+              <a:t>데이터 추가</a:t>
+            </a:r>
+            <a:endParaRPr lang="ko-KR" altLang="en-US" b="1" dirty="0"/>
+          </a:p>
+        </p:txBody>
+      </p:sp>
+      <p:pic>
+        <p:nvPicPr>
+          <p:cNvPr id="14" name="그림 13"/>
+          <p:cNvPicPr>
+            <a:picLocks noChangeAspect="1"/>
+          </p:cNvPicPr>
+          <p:nvPr/>
+        </p:nvPicPr>
+        <p:blipFill>
+          <a:blip r:embed="rId2" cstate="print">
+            <a:extLst>
+              <a:ext uri="{28A0092B-C50C-407E-A947-70E740481C1C}">
+                <a14:useLocalDpi xmlns:a14="http://schemas.microsoft.com/office/drawing/2010/main" val="0"/>
+              </a:ext>
+            </a:extLst>
+          </a:blip>
+          <a:stretch>
+            <a:fillRect/>
+          </a:stretch>
+        </p:blipFill>
+        <p:spPr>
+          <a:xfrm>
+            <a:off x="2411760" y="285857"/>
+            <a:ext cx="817200" cy="817200"/>
+          </a:xfrm>
+          <a:prstGeom prst="rect">
+            <a:avLst/>
+          </a:prstGeom>
+        </p:spPr>
+      </p:pic>
+      <p:pic>
+        <p:nvPicPr>
+          <p:cNvPr id="2" name="그림 1"/>
+          <p:cNvPicPr>
+            <a:picLocks noChangeAspect="1"/>
+          </p:cNvPicPr>
+          <p:nvPr/>
+        </p:nvPicPr>
+        <p:blipFill>
+          <a:blip r:embed="rId3"/>
+          <a:stretch>
+            <a:fillRect/>
+          </a:stretch>
+        </p:blipFill>
+        <p:spPr>
+          <a:xfrm>
+            <a:off x="2589594" y="4107363"/>
+            <a:ext cx="3848791" cy="2136990"/>
+          </a:xfrm>
+          <a:prstGeom prst="rect">
+            <a:avLst/>
+          </a:prstGeom>
+        </p:spPr>
+      </p:pic>
+      <p:pic>
+        <p:nvPicPr>
+          <p:cNvPr id="4" name="그림 3"/>
+          <p:cNvPicPr>
+            <a:picLocks noChangeAspect="1"/>
+          </p:cNvPicPr>
+          <p:nvPr/>
+        </p:nvPicPr>
+        <p:blipFill>
+          <a:blip r:embed="rId4"/>
+          <a:stretch>
+            <a:fillRect/>
+          </a:stretch>
+        </p:blipFill>
+        <p:spPr>
+          <a:xfrm>
+            <a:off x="4355976" y="1566842"/>
+            <a:ext cx="4194199" cy="2905403"/>
+          </a:xfrm>
+          <a:prstGeom prst="rect">
+            <a:avLst/>
+          </a:prstGeom>
+        </p:spPr>
+      </p:pic>
+    </p:spTree>
+    <p:extLst>
+      <p:ext uri="{BB962C8B-B14F-4D97-AF65-F5344CB8AC3E}">
+        <p14:creationId xmlns:p14="http://schemas.microsoft.com/office/powerpoint/2010/main" val="3200347521"/>
+      </p:ext>
+    </p:extLst>
+  </p:cSld>
+  <p:clrMapOvr>
+    <a:masterClrMapping/>
+  </p:clrMapOvr>
+</p:sld>
+</file>
+
+<file path=ppt/slides/slide9.xml><?xml version="1.0" encoding="utf-8"?>
+<p:sld xmlns:a="http://schemas.openxmlformats.org/drawingml/2006/main" xmlns:r="http://schemas.openxmlformats.org/officeDocument/2006/relationships" xmlns:p="http://schemas.openxmlformats.org/presentationml/2006/main">
+  <p:cSld>
+    <p:spTree>
+      <p:nvGrpSpPr>
+        <p:cNvPr id="1" name=""/>
+        <p:cNvGrpSpPr/>
+        <p:nvPr/>
+      </p:nvGrpSpPr>
+      <p:grpSpPr>
+        <a:xfrm>
+          <a:off x="0" y="0"/>
+          <a:ext cx="0" cy="0"/>
+          <a:chOff x="0" y="0"/>
+          <a:chExt cx="0" cy="0"/>
+        </a:xfrm>
+      </p:grpSpPr>
+      <p:sp>
+        <p:nvSpPr>
+          <p:cNvPr id="5" name="액자 4"/>
+          <p:cNvSpPr/>
+          <p:nvPr/>
+        </p:nvSpPr>
+        <p:spPr>
+          <a:xfrm>
+            <a:off x="323528" y="1340768"/>
+            <a:ext cx="8496944" cy="5184576"/>
+          </a:xfrm>
+          <a:prstGeom prst="frame">
+            <a:avLst>
+              <a:gd name="adj1" fmla="val 3557"/>
+            </a:avLst>
+          </a:prstGeom>
+          <a:solidFill>
+            <a:srgbClr val="FFC000"/>
+          </a:solidFill>
+          <a:ln>
+            <a:solidFill>
+              <a:schemeClr val="accent6">
+                <a:lumMod val="75000"/>
+              </a:schemeClr>
+            </a:solidFill>
+          </a:ln>
+        </p:spPr>
+        <p:style>
+          <a:lnRef idx="2">
+            <a:schemeClr val="accent1">
+              <a:shade val="50000"/>
+            </a:schemeClr>
+          </a:lnRef>
+          <a:fillRef idx="1">
+            <a:schemeClr val="accent1"/>
+          </a:fillRef>
+          <a:effectRef idx="0">
+            <a:schemeClr val="accent1"/>
+          </a:effectRef>
+          <a:fontRef idx="minor">
+            <a:schemeClr val="lt1"/>
+          </a:fontRef>
+        </p:style>
+        <p:txBody>
+          <a:bodyPr rtlCol="0" anchor="ctr"/>
+          <a:lstStyle/>
+          <a:p>
+            <a:pPr algn="ctr"/>
+            <a:endParaRPr lang="ko-KR" altLang="en-US">
+              <a:solidFill>
+                <a:schemeClr val="tx1"/>
+              </a:solidFill>
+            </a:endParaRPr>
+          </a:p>
+        </p:txBody>
+      </p:sp>
+      <p:sp>
+        <p:nvSpPr>
+          <p:cNvPr id="7" name="TextBox 6"/>
+          <p:cNvSpPr txBox="1"/>
+          <p:nvPr/>
+        </p:nvSpPr>
+        <p:spPr>
+          <a:xfrm>
+            <a:off x="3707904" y="392459"/>
+            <a:ext cx="1962397" cy="584775"/>
+          </a:xfrm>
+          <a:prstGeom prst="rect">
+            <a:avLst/>
+          </a:prstGeom>
+          <a:noFill/>
+        </p:spPr>
+        <p:txBody>
+          <a:bodyPr wrap="none" rtlCol="0">
+            <a:spAutoFit/>
+          </a:bodyPr>
+          <a:lstStyle/>
+          <a:p>
+            <a:r>
+              <a:rPr lang="ko-KR" altLang="en-US" sz="3200" dirty="0" smtClean="0">
+                <a:latin typeface="HY강B" panose="02030600000101010101" pitchFamily="18" charset="-127"/>
+                <a:ea typeface="HY강B" panose="02030600000101010101" pitchFamily="18" charset="-127"/>
+              </a:rPr>
+              <a:t>코드 소개</a:t>
+            </a:r>
+            <a:endParaRPr lang="en-US" altLang="ko-KR" sz="3200" dirty="0" smtClean="0">
+              <a:latin typeface="HY강B" panose="02030600000101010101" pitchFamily="18" charset="-127"/>
+              <a:ea typeface="HY강B" panose="02030600000101010101" pitchFamily="18" charset="-127"/>
+            </a:endParaRPr>
+          </a:p>
+        </p:txBody>
+      </p:sp>
+      <p:sp>
+        <p:nvSpPr>
+          <p:cNvPr id="8" name="TextBox 7"/>
+          <p:cNvSpPr txBox="1"/>
+          <p:nvPr/>
+        </p:nvSpPr>
+        <p:spPr>
+          <a:xfrm>
+            <a:off x="996127" y="3798503"/>
+            <a:ext cx="3024336" cy="923330"/>
+          </a:xfrm>
+          <a:prstGeom prst="rect">
+            <a:avLst/>
+          </a:prstGeom>
+          <a:noFill/>
+        </p:spPr>
+        <p:txBody>
+          <a:bodyPr wrap="square" rtlCol="0">
+            <a:spAutoFit/>
+          </a:bodyPr>
+          <a:lstStyle/>
+          <a:p>
+            <a:r>
+              <a:rPr lang="ko-KR" altLang="en-US" dirty="0" smtClean="0"/>
+              <a:t>선택한 조건에 맞는 데이터들을 </a:t>
+            </a:r>
+            <a:r>
+              <a:rPr lang="en-US" altLang="ko-KR" dirty="0" smtClean="0"/>
+              <a:t>List</a:t>
+            </a:r>
+            <a:r>
+              <a:rPr lang="ko-KR" altLang="en-US" dirty="0" smtClean="0"/>
+              <a:t>에</a:t>
+            </a:r>
+            <a:r>
+              <a:rPr lang="en-US" altLang="ko-KR" dirty="0"/>
+              <a:t> </a:t>
+            </a:r>
+            <a:r>
+              <a:rPr lang="ko-KR" altLang="en-US" dirty="0" smtClean="0"/>
+              <a:t>하나씩 담아 </a:t>
+            </a:r>
+            <a:r>
+              <a:rPr lang="en-US" altLang="ko-KR" dirty="0" smtClean="0"/>
+              <a:t>List</a:t>
+            </a:r>
+            <a:r>
+              <a:rPr lang="ko-KR" altLang="en-US" dirty="0" smtClean="0"/>
+              <a:t>를</a:t>
+            </a:r>
+            <a:r>
+              <a:rPr lang="en-US" altLang="ko-KR" dirty="0" smtClean="0"/>
+              <a:t> </a:t>
+            </a:r>
+            <a:r>
+              <a:rPr lang="ko-KR" altLang="en-US" dirty="0" smtClean="0"/>
+              <a:t>반환</a:t>
+            </a:r>
+            <a:endParaRPr lang="ko-KR" altLang="en-US" dirty="0"/>
+          </a:p>
+        </p:txBody>
+      </p:sp>
+      <p:sp>
+        <p:nvSpPr>
+          <p:cNvPr id="9" name="TextBox 8"/>
+          <p:cNvSpPr txBox="1"/>
+          <p:nvPr/>
+        </p:nvSpPr>
+        <p:spPr>
+          <a:xfrm>
+            <a:off x="1547664" y="2924944"/>
+            <a:ext cx="1882247" cy="369332"/>
+          </a:xfrm>
+          <a:prstGeom prst="rect">
+            <a:avLst/>
+          </a:prstGeom>
+          <a:noFill/>
+        </p:spPr>
+        <p:txBody>
+          <a:bodyPr wrap="none" rtlCol="0">
+            <a:spAutoFit/>
+          </a:bodyPr>
+          <a:lstStyle/>
+          <a:p>
+            <a:r>
+              <a:rPr lang="ko-KR" altLang="en-US" b="1" dirty="0" smtClean="0"/>
+              <a:t>데이터 가져오기</a:t>
+            </a:r>
+            <a:endParaRPr lang="ko-KR" altLang="en-US" b="1" dirty="0"/>
+          </a:p>
+        </p:txBody>
+      </p:sp>
+      <p:pic>
+        <p:nvPicPr>
+          <p:cNvPr id="14" name="그림 13"/>
+          <p:cNvPicPr>
+            <a:picLocks noChangeAspect="1"/>
+          </p:cNvPicPr>
+          <p:nvPr/>
+        </p:nvPicPr>
+        <p:blipFill>
+          <a:blip r:embed="rId2" cstate="print">
+            <a:extLst>
+              <a:ext uri="{28A0092B-C50C-407E-A947-70E740481C1C}">
+                <a14:useLocalDpi xmlns:a14="http://schemas.microsoft.com/office/drawing/2010/main" val="0"/>
+              </a:ext>
+            </a:extLst>
+          </a:blip>
+          <a:stretch>
+            <a:fillRect/>
+          </a:stretch>
+        </p:blipFill>
+        <p:spPr>
+          <a:xfrm>
+            <a:off x="2411760" y="285857"/>
+            <a:ext cx="817200" cy="817200"/>
+          </a:xfrm>
+          <a:prstGeom prst="rect">
+            <a:avLst/>
+          </a:prstGeom>
+        </p:spPr>
+      </p:pic>
+      <p:pic>
+        <p:nvPicPr>
+          <p:cNvPr id="3" name="그림 2"/>
+          <p:cNvPicPr>
+            <a:picLocks noChangeAspect="1"/>
+          </p:cNvPicPr>
+          <p:nvPr/>
+        </p:nvPicPr>
+        <p:blipFill>
+          <a:blip r:embed="rId3"/>
+          <a:stretch>
+            <a:fillRect/>
+          </a:stretch>
+        </p:blipFill>
+        <p:spPr>
+          <a:xfrm>
+            <a:off x="4438004" y="1873733"/>
+            <a:ext cx="3950965" cy="4118645"/>
+          </a:xfrm>
+          <a:prstGeom prst="rect">
+            <a:avLst/>
+          </a:prstGeom>
+        </p:spPr>
+      </p:pic>
+    </p:spTree>
+    <p:extLst>
+      <p:ext uri="{BB962C8B-B14F-4D97-AF65-F5344CB8AC3E}">
+        <p14:creationId xmlns:p14="http://schemas.microsoft.com/office/powerpoint/2010/main" val="204712227"/>
       </p:ext>
     </p:extLst>
   </p:cSld>

--- a/Portfolio/ppt/CarManagementProgram.pptx
+++ b/Portfolio/ppt/CarManagementProgram.pptx
@@ -14,6 +14,16 @@
     <p:sldId id="262" r:id="rId8"/>
     <p:sldId id="263" r:id="rId9"/>
     <p:sldId id="264" r:id="rId10"/>
+    <p:sldId id="265" r:id="rId11"/>
+    <p:sldId id="266" r:id="rId12"/>
+    <p:sldId id="267" r:id="rId13"/>
+    <p:sldId id="268" r:id="rId14"/>
+    <p:sldId id="269" r:id="rId15"/>
+    <p:sldId id="270" r:id="rId16"/>
+    <p:sldId id="271" r:id="rId17"/>
+    <p:sldId id="272" r:id="rId18"/>
+    <p:sldId id="273" r:id="rId19"/>
+    <p:sldId id="274" r:id="rId20"/>
   </p:sldIdLst>
   <p:sldSz cx="9144000" cy="6858000" type="screen4x3"/>
   <p:notesSz cx="6858000" cy="9144000"/>
@@ -312,7 +322,7 @@
           <a:p>
             <a:fld id="{469575B0-668D-4644-BD2F-9D1D1FAD25CE}" type="datetimeFigureOut">
               <a:rPr lang="ko-KR" altLang="en-US" smtClean="0"/>
-              <a:t>2021-04-23</a:t>
+              <a:t>2021-04-26</a:t>
             </a:fld>
             <a:endParaRPr lang="ko-KR" altLang="en-US"/>
           </a:p>
@@ -482,7 +492,7 @@
           <a:p>
             <a:fld id="{469575B0-668D-4644-BD2F-9D1D1FAD25CE}" type="datetimeFigureOut">
               <a:rPr lang="ko-KR" altLang="en-US" smtClean="0"/>
-              <a:t>2021-04-23</a:t>
+              <a:t>2021-04-26</a:t>
             </a:fld>
             <a:endParaRPr lang="ko-KR" altLang="en-US"/>
           </a:p>
@@ -662,7 +672,7 @@
           <a:p>
             <a:fld id="{469575B0-668D-4644-BD2F-9D1D1FAD25CE}" type="datetimeFigureOut">
               <a:rPr lang="ko-KR" altLang="en-US" smtClean="0"/>
-              <a:t>2021-04-23</a:t>
+              <a:t>2021-04-26</a:t>
             </a:fld>
             <a:endParaRPr lang="ko-KR" altLang="en-US"/>
           </a:p>
@@ -832,7 +842,7 @@
           <a:p>
             <a:fld id="{469575B0-668D-4644-BD2F-9D1D1FAD25CE}" type="datetimeFigureOut">
               <a:rPr lang="ko-KR" altLang="en-US" smtClean="0"/>
-              <a:t>2021-04-23</a:t>
+              <a:t>2021-04-26</a:t>
             </a:fld>
             <a:endParaRPr lang="ko-KR" altLang="en-US"/>
           </a:p>
@@ -1078,7 +1088,7 @@
           <a:p>
             <a:fld id="{469575B0-668D-4644-BD2F-9D1D1FAD25CE}" type="datetimeFigureOut">
               <a:rPr lang="ko-KR" altLang="en-US" smtClean="0"/>
-              <a:t>2021-04-23</a:t>
+              <a:t>2021-04-26</a:t>
             </a:fld>
             <a:endParaRPr lang="ko-KR" altLang="en-US"/>
           </a:p>
@@ -1366,7 +1376,7 @@
           <a:p>
             <a:fld id="{469575B0-668D-4644-BD2F-9D1D1FAD25CE}" type="datetimeFigureOut">
               <a:rPr lang="ko-KR" altLang="en-US" smtClean="0"/>
-              <a:t>2021-04-23</a:t>
+              <a:t>2021-04-26</a:t>
             </a:fld>
             <a:endParaRPr lang="ko-KR" altLang="en-US"/>
           </a:p>
@@ -1788,7 +1798,7 @@
           <a:p>
             <a:fld id="{469575B0-668D-4644-BD2F-9D1D1FAD25CE}" type="datetimeFigureOut">
               <a:rPr lang="ko-KR" altLang="en-US" smtClean="0"/>
-              <a:t>2021-04-23</a:t>
+              <a:t>2021-04-26</a:t>
             </a:fld>
             <a:endParaRPr lang="ko-KR" altLang="en-US"/>
           </a:p>
@@ -1906,7 +1916,7 @@
           <a:p>
             <a:fld id="{469575B0-668D-4644-BD2F-9D1D1FAD25CE}" type="datetimeFigureOut">
               <a:rPr lang="ko-KR" altLang="en-US" smtClean="0"/>
-              <a:t>2021-04-23</a:t>
+              <a:t>2021-04-26</a:t>
             </a:fld>
             <a:endParaRPr lang="ko-KR" altLang="en-US"/>
           </a:p>
@@ -2001,7 +2011,7 @@
           <a:p>
             <a:fld id="{469575B0-668D-4644-BD2F-9D1D1FAD25CE}" type="datetimeFigureOut">
               <a:rPr lang="ko-KR" altLang="en-US" smtClean="0"/>
-              <a:t>2021-04-23</a:t>
+              <a:t>2021-04-26</a:t>
             </a:fld>
             <a:endParaRPr lang="ko-KR" altLang="en-US"/>
           </a:p>
@@ -2278,7 +2288,7 @@
           <a:p>
             <a:fld id="{469575B0-668D-4644-BD2F-9D1D1FAD25CE}" type="datetimeFigureOut">
               <a:rPr lang="ko-KR" altLang="en-US" smtClean="0"/>
-              <a:t>2021-04-23</a:t>
+              <a:t>2021-04-26</a:t>
             </a:fld>
             <a:endParaRPr lang="ko-KR" altLang="en-US"/>
           </a:p>
@@ -2531,7 +2541,7 @@
           <a:p>
             <a:fld id="{469575B0-668D-4644-BD2F-9D1D1FAD25CE}" type="datetimeFigureOut">
               <a:rPr lang="ko-KR" altLang="en-US" smtClean="0"/>
-              <a:t>2021-04-23</a:t>
+              <a:t>2021-04-26</a:t>
             </a:fld>
             <a:endParaRPr lang="ko-KR" altLang="en-US"/>
           </a:p>
@@ -2744,7 +2754,7 @@
           <a:p>
             <a:fld id="{469575B0-668D-4644-BD2F-9D1D1FAD25CE}" type="datetimeFigureOut">
               <a:rPr lang="ko-KR" altLang="en-US" smtClean="0"/>
-              <a:t>2021-04-23</a:t>
+              <a:t>2021-04-26</a:t>
             </a:fld>
             <a:endParaRPr lang="ko-KR" altLang="en-US"/>
           </a:p>
@@ -3158,7 +3168,7 @@
         <p:spPr>
           <a:xfrm>
             <a:off x="5585353" y="2513249"/>
-            <a:ext cx="3091103" cy="1569660"/>
+            <a:ext cx="3091103" cy="2062103"/>
           </a:xfrm>
           <a:prstGeom prst="rect">
             <a:avLst/>
@@ -3211,6 +3221,53 @@
               </a:rPr>
               <a:t>Program</a:t>
             </a:r>
+          </a:p>
+          <a:p>
+            <a:r>
+              <a:rPr lang="en-US" altLang="ko-KR" sz="3200" dirty="0" smtClean="0">
+                <a:solidFill>
+                  <a:schemeClr val="tx1">
+                    <a:lumMod val="85000"/>
+                    <a:lumOff val="15000"/>
+                  </a:schemeClr>
+                </a:solidFill>
+                <a:latin typeface="Arial Black" panose="020B0A04020102020204" pitchFamily="34" charset="0"/>
+              </a:rPr>
+              <a:t>(DB </a:t>
+            </a:r>
+            <a:r>
+              <a:rPr lang="ko-KR" altLang="en-US" sz="3200" dirty="0" smtClean="0">
+                <a:solidFill>
+                  <a:schemeClr val="tx1">
+                    <a:lumMod val="85000"/>
+                    <a:lumOff val="15000"/>
+                  </a:schemeClr>
+                </a:solidFill>
+                <a:latin typeface="Arial Black" panose="020B0A04020102020204" pitchFamily="34" charset="0"/>
+              </a:rPr>
+              <a:t>연동</a:t>
+            </a:r>
+            <a:r>
+              <a:rPr lang="en-US" altLang="ko-KR" sz="3200" dirty="0" smtClean="0">
+                <a:solidFill>
+                  <a:schemeClr val="tx1">
+                    <a:lumMod val="85000"/>
+                    <a:lumOff val="15000"/>
+                  </a:schemeClr>
+                </a:solidFill>
+                <a:latin typeface="Arial Black" panose="020B0A04020102020204" pitchFamily="34" charset="0"/>
+              </a:rPr>
+              <a:t>)</a:t>
+            </a:r>
+            <a:endParaRPr lang="en-US" altLang="ko-KR" sz="3200" dirty="0" smtClean="0">
+              <a:solidFill>
+                <a:schemeClr val="tx1">
+                  <a:lumMod val="85000"/>
+                  <a:lumOff val="15000"/>
+                </a:schemeClr>
+              </a:solidFill>
+              <a:latin typeface="Arial Black" panose="020B0A04020102020204" pitchFamily="34" charset="0"/>
+            </a:endParaRPr>
           </a:p>
         </p:txBody>
       </p:sp>
@@ -3269,6 +3326,3037 @@
       </p:par>
     </p:tnLst>
   </p:timing>
+</p:sld>
+</file>
+
+<file path=ppt/slides/slide10.xml><?xml version="1.0" encoding="utf-8"?>
+<p:sld xmlns:a="http://schemas.openxmlformats.org/drawingml/2006/main" xmlns:r="http://schemas.openxmlformats.org/officeDocument/2006/relationships" xmlns:p="http://schemas.openxmlformats.org/presentationml/2006/main">
+  <p:cSld>
+    <p:spTree>
+      <p:nvGrpSpPr>
+        <p:cNvPr id="1" name=""/>
+        <p:cNvGrpSpPr/>
+        <p:nvPr/>
+      </p:nvGrpSpPr>
+      <p:grpSpPr>
+        <a:xfrm>
+          <a:off x="0" y="0"/>
+          <a:ext cx="0" cy="0"/>
+          <a:chOff x="0" y="0"/>
+          <a:chExt cx="0" cy="0"/>
+        </a:xfrm>
+      </p:grpSpPr>
+      <p:sp>
+        <p:nvSpPr>
+          <p:cNvPr id="5" name="액자 4"/>
+          <p:cNvSpPr/>
+          <p:nvPr/>
+        </p:nvSpPr>
+        <p:spPr>
+          <a:xfrm>
+            <a:off x="323528" y="1340768"/>
+            <a:ext cx="8496944" cy="5184576"/>
+          </a:xfrm>
+          <a:prstGeom prst="frame">
+            <a:avLst>
+              <a:gd name="adj1" fmla="val 3557"/>
+            </a:avLst>
+          </a:prstGeom>
+          <a:solidFill>
+            <a:srgbClr val="FFC000"/>
+          </a:solidFill>
+          <a:ln>
+            <a:solidFill>
+              <a:schemeClr val="accent6">
+                <a:lumMod val="75000"/>
+              </a:schemeClr>
+            </a:solidFill>
+          </a:ln>
+        </p:spPr>
+        <p:style>
+          <a:lnRef idx="2">
+            <a:schemeClr val="accent1">
+              <a:shade val="50000"/>
+            </a:schemeClr>
+          </a:lnRef>
+          <a:fillRef idx="1">
+            <a:schemeClr val="accent1"/>
+          </a:fillRef>
+          <a:effectRef idx="0">
+            <a:schemeClr val="accent1"/>
+          </a:effectRef>
+          <a:fontRef idx="minor">
+            <a:schemeClr val="lt1"/>
+          </a:fontRef>
+        </p:style>
+        <p:txBody>
+          <a:bodyPr rtlCol="0" anchor="ctr"/>
+          <a:lstStyle/>
+          <a:p>
+            <a:pPr algn="ctr"/>
+            <a:endParaRPr lang="ko-KR" altLang="en-US">
+              <a:solidFill>
+                <a:schemeClr val="tx1"/>
+              </a:solidFill>
+            </a:endParaRPr>
+          </a:p>
+        </p:txBody>
+      </p:sp>
+      <p:sp>
+        <p:nvSpPr>
+          <p:cNvPr id="7" name="TextBox 6"/>
+          <p:cNvSpPr txBox="1"/>
+          <p:nvPr/>
+        </p:nvSpPr>
+        <p:spPr>
+          <a:xfrm>
+            <a:off x="3707904" y="392459"/>
+            <a:ext cx="1962397" cy="584775"/>
+          </a:xfrm>
+          <a:prstGeom prst="rect">
+            <a:avLst/>
+          </a:prstGeom>
+          <a:noFill/>
+        </p:spPr>
+        <p:txBody>
+          <a:bodyPr wrap="none" rtlCol="0">
+            <a:spAutoFit/>
+          </a:bodyPr>
+          <a:lstStyle/>
+          <a:p>
+            <a:r>
+              <a:rPr lang="ko-KR" altLang="en-US" sz="3200" dirty="0" smtClean="0">
+                <a:latin typeface="HY강B" panose="02030600000101010101" pitchFamily="18" charset="-127"/>
+                <a:ea typeface="HY강B" panose="02030600000101010101" pitchFamily="18" charset="-127"/>
+              </a:rPr>
+              <a:t>코드 소개</a:t>
+            </a:r>
+            <a:endParaRPr lang="en-US" altLang="ko-KR" sz="3200" dirty="0" smtClean="0">
+              <a:latin typeface="HY강B" panose="02030600000101010101" pitchFamily="18" charset="-127"/>
+              <a:ea typeface="HY강B" panose="02030600000101010101" pitchFamily="18" charset="-127"/>
+            </a:endParaRPr>
+          </a:p>
+        </p:txBody>
+      </p:sp>
+      <p:sp>
+        <p:nvSpPr>
+          <p:cNvPr id="8" name="TextBox 7"/>
+          <p:cNvSpPr txBox="1"/>
+          <p:nvPr/>
+        </p:nvSpPr>
+        <p:spPr>
+          <a:xfrm>
+            <a:off x="808076" y="4077072"/>
+            <a:ext cx="3024336" cy="646331"/>
+          </a:xfrm>
+          <a:prstGeom prst="rect">
+            <a:avLst/>
+          </a:prstGeom>
+          <a:noFill/>
+        </p:spPr>
+        <p:txBody>
+          <a:bodyPr wrap="square" rtlCol="0">
+            <a:spAutoFit/>
+          </a:bodyPr>
+          <a:lstStyle/>
+          <a:p>
+            <a:r>
+              <a:rPr lang="ko-KR" altLang="en-US" dirty="0" smtClean="0"/>
+              <a:t>해당 테이블 안에 존재하는 모든 데이터를 삭제한다</a:t>
+            </a:r>
+            <a:r>
+              <a:rPr lang="en-US" altLang="ko-KR" dirty="0" smtClean="0"/>
+              <a:t>.</a:t>
+            </a:r>
+            <a:endParaRPr lang="ko-KR" altLang="en-US" dirty="0"/>
+          </a:p>
+        </p:txBody>
+      </p:sp>
+      <p:sp>
+        <p:nvSpPr>
+          <p:cNvPr id="9" name="TextBox 8"/>
+          <p:cNvSpPr txBox="1"/>
+          <p:nvPr/>
+        </p:nvSpPr>
+        <p:spPr>
+          <a:xfrm>
+            <a:off x="1313222" y="3284984"/>
+            <a:ext cx="1882247" cy="369332"/>
+          </a:xfrm>
+          <a:prstGeom prst="rect">
+            <a:avLst/>
+          </a:prstGeom>
+          <a:noFill/>
+        </p:spPr>
+        <p:txBody>
+          <a:bodyPr wrap="none" rtlCol="0">
+            <a:spAutoFit/>
+          </a:bodyPr>
+          <a:lstStyle/>
+          <a:p>
+            <a:r>
+              <a:rPr lang="ko-KR" altLang="en-US" b="1" dirty="0" smtClean="0"/>
+              <a:t>데이터 </a:t>
+            </a:r>
+            <a:r>
+              <a:rPr lang="ko-KR" altLang="en-US" b="1" dirty="0" smtClean="0"/>
+              <a:t>삭제하기</a:t>
+            </a:r>
+            <a:endParaRPr lang="ko-KR" altLang="en-US" b="1" dirty="0"/>
+          </a:p>
+        </p:txBody>
+      </p:sp>
+      <p:pic>
+        <p:nvPicPr>
+          <p:cNvPr id="14" name="그림 13"/>
+          <p:cNvPicPr>
+            <a:picLocks noChangeAspect="1"/>
+          </p:cNvPicPr>
+          <p:nvPr/>
+        </p:nvPicPr>
+        <p:blipFill>
+          <a:blip r:embed="rId2" cstate="print">
+            <a:extLst>
+              <a:ext uri="{28A0092B-C50C-407E-A947-70E740481C1C}">
+                <a14:useLocalDpi xmlns:a14="http://schemas.microsoft.com/office/drawing/2010/main" val="0"/>
+              </a:ext>
+            </a:extLst>
+          </a:blip>
+          <a:stretch>
+            <a:fillRect/>
+          </a:stretch>
+        </p:blipFill>
+        <p:spPr>
+          <a:xfrm>
+            <a:off x="2411760" y="285857"/>
+            <a:ext cx="817200" cy="817200"/>
+          </a:xfrm>
+          <a:prstGeom prst="rect">
+            <a:avLst/>
+          </a:prstGeom>
+        </p:spPr>
+      </p:pic>
+      <p:pic>
+        <p:nvPicPr>
+          <p:cNvPr id="2" name="그림 1"/>
+          <p:cNvPicPr>
+            <a:picLocks noChangeAspect="1"/>
+          </p:cNvPicPr>
+          <p:nvPr/>
+        </p:nvPicPr>
+        <p:blipFill>
+          <a:blip r:embed="rId3"/>
+          <a:stretch>
+            <a:fillRect/>
+          </a:stretch>
+        </p:blipFill>
+        <p:spPr>
+          <a:xfrm>
+            <a:off x="4185162" y="2288508"/>
+            <a:ext cx="4245758" cy="3289096"/>
+          </a:xfrm>
+          <a:prstGeom prst="rect">
+            <a:avLst/>
+          </a:prstGeom>
+        </p:spPr>
+      </p:pic>
+    </p:spTree>
+    <p:extLst>
+      <p:ext uri="{BB962C8B-B14F-4D97-AF65-F5344CB8AC3E}">
+        <p14:creationId xmlns:p14="http://schemas.microsoft.com/office/powerpoint/2010/main" val="1663401556"/>
+      </p:ext>
+    </p:extLst>
+  </p:cSld>
+  <p:clrMapOvr>
+    <a:masterClrMapping/>
+  </p:clrMapOvr>
+</p:sld>
+</file>
+
+<file path=ppt/slides/slide11.xml><?xml version="1.0" encoding="utf-8"?>
+<p:sld xmlns:a="http://schemas.openxmlformats.org/drawingml/2006/main" xmlns:r="http://schemas.openxmlformats.org/officeDocument/2006/relationships" xmlns:p="http://schemas.openxmlformats.org/presentationml/2006/main">
+  <p:cSld>
+    <p:spTree>
+      <p:nvGrpSpPr>
+        <p:cNvPr id="1" name=""/>
+        <p:cNvGrpSpPr/>
+        <p:nvPr/>
+      </p:nvGrpSpPr>
+      <p:grpSpPr>
+        <a:xfrm>
+          <a:off x="0" y="0"/>
+          <a:ext cx="0" cy="0"/>
+          <a:chOff x="0" y="0"/>
+          <a:chExt cx="0" cy="0"/>
+        </a:xfrm>
+      </p:grpSpPr>
+      <p:sp>
+        <p:nvSpPr>
+          <p:cNvPr id="5" name="액자 4"/>
+          <p:cNvSpPr/>
+          <p:nvPr/>
+        </p:nvSpPr>
+        <p:spPr>
+          <a:xfrm>
+            <a:off x="323528" y="1340768"/>
+            <a:ext cx="8496944" cy="5184576"/>
+          </a:xfrm>
+          <a:prstGeom prst="frame">
+            <a:avLst>
+              <a:gd name="adj1" fmla="val 3557"/>
+            </a:avLst>
+          </a:prstGeom>
+          <a:solidFill>
+            <a:srgbClr val="FFC000"/>
+          </a:solidFill>
+          <a:ln>
+            <a:solidFill>
+              <a:schemeClr val="accent6">
+                <a:lumMod val="75000"/>
+              </a:schemeClr>
+            </a:solidFill>
+          </a:ln>
+        </p:spPr>
+        <p:style>
+          <a:lnRef idx="2">
+            <a:schemeClr val="accent1">
+              <a:shade val="50000"/>
+            </a:schemeClr>
+          </a:lnRef>
+          <a:fillRef idx="1">
+            <a:schemeClr val="accent1"/>
+          </a:fillRef>
+          <a:effectRef idx="0">
+            <a:schemeClr val="accent1"/>
+          </a:effectRef>
+          <a:fontRef idx="minor">
+            <a:schemeClr val="lt1"/>
+          </a:fontRef>
+        </p:style>
+        <p:txBody>
+          <a:bodyPr rtlCol="0" anchor="ctr"/>
+          <a:lstStyle/>
+          <a:p>
+            <a:pPr algn="ctr"/>
+            <a:endParaRPr lang="ko-KR" altLang="en-US">
+              <a:solidFill>
+                <a:schemeClr val="tx1"/>
+              </a:solidFill>
+            </a:endParaRPr>
+          </a:p>
+        </p:txBody>
+      </p:sp>
+      <p:sp>
+        <p:nvSpPr>
+          <p:cNvPr id="7" name="TextBox 6"/>
+          <p:cNvSpPr txBox="1"/>
+          <p:nvPr/>
+        </p:nvSpPr>
+        <p:spPr>
+          <a:xfrm>
+            <a:off x="3707904" y="392459"/>
+            <a:ext cx="1962397" cy="584775"/>
+          </a:xfrm>
+          <a:prstGeom prst="rect">
+            <a:avLst/>
+          </a:prstGeom>
+          <a:noFill/>
+        </p:spPr>
+        <p:txBody>
+          <a:bodyPr wrap="none" rtlCol="0">
+            <a:spAutoFit/>
+          </a:bodyPr>
+          <a:lstStyle/>
+          <a:p>
+            <a:r>
+              <a:rPr lang="ko-KR" altLang="en-US" sz="3200" dirty="0" smtClean="0">
+                <a:latin typeface="HY강B" panose="02030600000101010101" pitchFamily="18" charset="-127"/>
+                <a:ea typeface="HY강B" panose="02030600000101010101" pitchFamily="18" charset="-127"/>
+              </a:rPr>
+              <a:t>코드 소개</a:t>
+            </a:r>
+            <a:endParaRPr lang="en-US" altLang="ko-KR" sz="3200" dirty="0" smtClean="0">
+              <a:latin typeface="HY강B" panose="02030600000101010101" pitchFamily="18" charset="-127"/>
+              <a:ea typeface="HY강B" panose="02030600000101010101" pitchFamily="18" charset="-127"/>
+            </a:endParaRPr>
+          </a:p>
+        </p:txBody>
+      </p:sp>
+      <p:sp>
+        <p:nvSpPr>
+          <p:cNvPr id="8" name="TextBox 7"/>
+          <p:cNvSpPr txBox="1"/>
+          <p:nvPr/>
+        </p:nvSpPr>
+        <p:spPr>
+          <a:xfrm>
+            <a:off x="808076" y="4077072"/>
+            <a:ext cx="3024336" cy="923330"/>
+          </a:xfrm>
+          <a:prstGeom prst="rect">
+            <a:avLst/>
+          </a:prstGeom>
+          <a:noFill/>
+        </p:spPr>
+        <p:txBody>
+          <a:bodyPr wrap="square" rtlCol="0">
+            <a:spAutoFit/>
+          </a:bodyPr>
+          <a:lstStyle/>
+          <a:p>
+            <a:r>
+              <a:rPr lang="ko-KR" altLang="en-US" dirty="0" smtClean="0"/>
+              <a:t>매개변수로 받은 테이블 명과 같은 테이블 개수를 반환해준다</a:t>
+            </a:r>
+            <a:r>
+              <a:rPr lang="en-US" altLang="ko-KR" dirty="0" smtClean="0"/>
+              <a:t>.</a:t>
+            </a:r>
+            <a:endParaRPr lang="ko-KR" altLang="en-US" dirty="0"/>
+          </a:p>
+        </p:txBody>
+      </p:sp>
+      <p:sp>
+        <p:nvSpPr>
+          <p:cNvPr id="9" name="TextBox 8"/>
+          <p:cNvSpPr txBox="1"/>
+          <p:nvPr/>
+        </p:nvSpPr>
+        <p:spPr>
+          <a:xfrm>
+            <a:off x="1609953" y="3332585"/>
+            <a:ext cx="1420582" cy="369332"/>
+          </a:xfrm>
+          <a:prstGeom prst="rect">
+            <a:avLst/>
+          </a:prstGeom>
+          <a:noFill/>
+        </p:spPr>
+        <p:txBody>
+          <a:bodyPr wrap="none" rtlCol="0">
+            <a:spAutoFit/>
+          </a:bodyPr>
+          <a:lstStyle/>
+          <a:p>
+            <a:r>
+              <a:rPr lang="ko-KR" altLang="en-US" b="1" dirty="0" smtClean="0"/>
+              <a:t>테이블 확인</a:t>
+            </a:r>
+            <a:endParaRPr lang="ko-KR" altLang="en-US" b="1" dirty="0"/>
+          </a:p>
+        </p:txBody>
+      </p:sp>
+      <p:pic>
+        <p:nvPicPr>
+          <p:cNvPr id="14" name="그림 13"/>
+          <p:cNvPicPr>
+            <a:picLocks noChangeAspect="1"/>
+          </p:cNvPicPr>
+          <p:nvPr/>
+        </p:nvPicPr>
+        <p:blipFill>
+          <a:blip r:embed="rId2" cstate="print">
+            <a:extLst>
+              <a:ext uri="{28A0092B-C50C-407E-A947-70E740481C1C}">
+                <a14:useLocalDpi xmlns:a14="http://schemas.microsoft.com/office/drawing/2010/main" val="0"/>
+              </a:ext>
+            </a:extLst>
+          </a:blip>
+          <a:stretch>
+            <a:fillRect/>
+          </a:stretch>
+        </p:blipFill>
+        <p:spPr>
+          <a:xfrm>
+            <a:off x="2411760" y="285857"/>
+            <a:ext cx="817200" cy="817200"/>
+          </a:xfrm>
+          <a:prstGeom prst="rect">
+            <a:avLst/>
+          </a:prstGeom>
+        </p:spPr>
+      </p:pic>
+      <p:pic>
+        <p:nvPicPr>
+          <p:cNvPr id="3" name="그림 2"/>
+          <p:cNvPicPr>
+            <a:picLocks noChangeAspect="1"/>
+          </p:cNvPicPr>
+          <p:nvPr/>
+        </p:nvPicPr>
+        <p:blipFill>
+          <a:blip r:embed="rId3"/>
+          <a:stretch>
+            <a:fillRect/>
+          </a:stretch>
+        </p:blipFill>
+        <p:spPr>
+          <a:xfrm>
+            <a:off x="3995936" y="1772816"/>
+            <a:ext cx="4459225" cy="4392488"/>
+          </a:xfrm>
+          <a:prstGeom prst="rect">
+            <a:avLst/>
+          </a:prstGeom>
+        </p:spPr>
+      </p:pic>
+    </p:spTree>
+    <p:extLst>
+      <p:ext uri="{BB962C8B-B14F-4D97-AF65-F5344CB8AC3E}">
+        <p14:creationId xmlns:p14="http://schemas.microsoft.com/office/powerpoint/2010/main" val="784105703"/>
+      </p:ext>
+    </p:extLst>
+  </p:cSld>
+  <p:clrMapOvr>
+    <a:masterClrMapping/>
+  </p:clrMapOvr>
+</p:sld>
+</file>
+
+<file path=ppt/slides/slide12.xml><?xml version="1.0" encoding="utf-8"?>
+<p:sld xmlns:a="http://schemas.openxmlformats.org/drawingml/2006/main" xmlns:r="http://schemas.openxmlformats.org/officeDocument/2006/relationships" xmlns:p="http://schemas.openxmlformats.org/presentationml/2006/main">
+  <p:cSld>
+    <p:spTree>
+      <p:nvGrpSpPr>
+        <p:cNvPr id="1" name=""/>
+        <p:cNvGrpSpPr/>
+        <p:nvPr/>
+      </p:nvGrpSpPr>
+      <p:grpSpPr>
+        <a:xfrm>
+          <a:off x="0" y="0"/>
+          <a:ext cx="0" cy="0"/>
+          <a:chOff x="0" y="0"/>
+          <a:chExt cx="0" cy="0"/>
+        </a:xfrm>
+      </p:grpSpPr>
+      <p:sp>
+        <p:nvSpPr>
+          <p:cNvPr id="5" name="액자 4"/>
+          <p:cNvSpPr/>
+          <p:nvPr/>
+        </p:nvSpPr>
+        <p:spPr>
+          <a:xfrm>
+            <a:off x="323528" y="1340768"/>
+            <a:ext cx="8496944" cy="5184576"/>
+          </a:xfrm>
+          <a:prstGeom prst="frame">
+            <a:avLst>
+              <a:gd name="adj1" fmla="val 3557"/>
+            </a:avLst>
+          </a:prstGeom>
+          <a:solidFill>
+            <a:srgbClr val="FFC000"/>
+          </a:solidFill>
+          <a:ln>
+            <a:solidFill>
+              <a:schemeClr val="accent6">
+                <a:lumMod val="75000"/>
+              </a:schemeClr>
+            </a:solidFill>
+          </a:ln>
+        </p:spPr>
+        <p:style>
+          <a:lnRef idx="2">
+            <a:schemeClr val="accent1">
+              <a:shade val="50000"/>
+            </a:schemeClr>
+          </a:lnRef>
+          <a:fillRef idx="1">
+            <a:schemeClr val="accent1"/>
+          </a:fillRef>
+          <a:effectRef idx="0">
+            <a:schemeClr val="accent1"/>
+          </a:effectRef>
+          <a:fontRef idx="minor">
+            <a:schemeClr val="lt1"/>
+          </a:fontRef>
+        </p:style>
+        <p:txBody>
+          <a:bodyPr rtlCol="0" anchor="ctr"/>
+          <a:lstStyle/>
+          <a:p>
+            <a:pPr algn="ctr"/>
+            <a:endParaRPr lang="ko-KR" altLang="en-US">
+              <a:solidFill>
+                <a:schemeClr val="tx1"/>
+              </a:solidFill>
+            </a:endParaRPr>
+          </a:p>
+        </p:txBody>
+      </p:sp>
+      <p:sp>
+        <p:nvSpPr>
+          <p:cNvPr id="7" name="TextBox 6"/>
+          <p:cNvSpPr txBox="1"/>
+          <p:nvPr/>
+        </p:nvSpPr>
+        <p:spPr>
+          <a:xfrm>
+            <a:off x="3707904" y="392459"/>
+            <a:ext cx="1962397" cy="584775"/>
+          </a:xfrm>
+          <a:prstGeom prst="rect">
+            <a:avLst/>
+          </a:prstGeom>
+          <a:noFill/>
+        </p:spPr>
+        <p:txBody>
+          <a:bodyPr wrap="none" rtlCol="0">
+            <a:spAutoFit/>
+          </a:bodyPr>
+          <a:lstStyle/>
+          <a:p>
+            <a:r>
+              <a:rPr lang="ko-KR" altLang="en-US" sz="3200" dirty="0" smtClean="0">
+                <a:latin typeface="HY강B" panose="02030600000101010101" pitchFamily="18" charset="-127"/>
+                <a:ea typeface="HY강B" panose="02030600000101010101" pitchFamily="18" charset="-127"/>
+              </a:rPr>
+              <a:t>코드 소개</a:t>
+            </a:r>
+            <a:endParaRPr lang="en-US" altLang="ko-KR" sz="3200" dirty="0" smtClean="0">
+              <a:latin typeface="HY강B" panose="02030600000101010101" pitchFamily="18" charset="-127"/>
+              <a:ea typeface="HY강B" panose="02030600000101010101" pitchFamily="18" charset="-127"/>
+            </a:endParaRPr>
+          </a:p>
+        </p:txBody>
+      </p:sp>
+      <p:sp>
+        <p:nvSpPr>
+          <p:cNvPr id="8" name="TextBox 7"/>
+          <p:cNvSpPr txBox="1"/>
+          <p:nvPr/>
+        </p:nvSpPr>
+        <p:spPr>
+          <a:xfrm>
+            <a:off x="734793" y="4020749"/>
+            <a:ext cx="3024336" cy="923330"/>
+          </a:xfrm>
+          <a:prstGeom prst="rect">
+            <a:avLst/>
+          </a:prstGeom>
+          <a:noFill/>
+        </p:spPr>
+        <p:txBody>
+          <a:bodyPr wrap="square" rtlCol="0">
+            <a:spAutoFit/>
+          </a:bodyPr>
+          <a:lstStyle/>
+          <a:p>
+            <a:r>
+              <a:rPr lang="ko-KR" altLang="en-US" dirty="0" smtClean="0"/>
+              <a:t>매개변수로 받은 데이터를 포함한 데이터가 몇 개인지 반환해준다</a:t>
+            </a:r>
+            <a:r>
+              <a:rPr lang="en-US" altLang="ko-KR" dirty="0" smtClean="0"/>
+              <a:t>.</a:t>
+            </a:r>
+            <a:endParaRPr lang="ko-KR" altLang="en-US" dirty="0"/>
+          </a:p>
+        </p:txBody>
+      </p:sp>
+      <p:sp>
+        <p:nvSpPr>
+          <p:cNvPr id="9" name="TextBox 8"/>
+          <p:cNvSpPr txBox="1"/>
+          <p:nvPr/>
+        </p:nvSpPr>
+        <p:spPr>
+          <a:xfrm>
+            <a:off x="1264961" y="3284984"/>
+            <a:ext cx="1963999" cy="369332"/>
+          </a:xfrm>
+          <a:prstGeom prst="rect">
+            <a:avLst/>
+          </a:prstGeom>
+          <a:noFill/>
+        </p:spPr>
+        <p:txBody>
+          <a:bodyPr wrap="none" rtlCol="0">
+            <a:spAutoFit/>
+          </a:bodyPr>
+          <a:lstStyle/>
+          <a:p>
+            <a:r>
+              <a:rPr lang="ko-KR" altLang="en-US" b="1" smtClean="0"/>
+              <a:t>중복 데이터 확인</a:t>
+            </a:r>
+            <a:endParaRPr lang="ko-KR" altLang="en-US" b="1" dirty="0"/>
+          </a:p>
+        </p:txBody>
+      </p:sp>
+      <p:pic>
+        <p:nvPicPr>
+          <p:cNvPr id="14" name="그림 13"/>
+          <p:cNvPicPr>
+            <a:picLocks noChangeAspect="1"/>
+          </p:cNvPicPr>
+          <p:nvPr/>
+        </p:nvPicPr>
+        <p:blipFill>
+          <a:blip r:embed="rId2" cstate="print">
+            <a:extLst>
+              <a:ext uri="{28A0092B-C50C-407E-A947-70E740481C1C}">
+                <a14:useLocalDpi xmlns:a14="http://schemas.microsoft.com/office/drawing/2010/main" val="0"/>
+              </a:ext>
+            </a:extLst>
+          </a:blip>
+          <a:stretch>
+            <a:fillRect/>
+          </a:stretch>
+        </p:blipFill>
+        <p:spPr>
+          <a:xfrm>
+            <a:off x="2411760" y="285857"/>
+            <a:ext cx="817200" cy="817200"/>
+          </a:xfrm>
+          <a:prstGeom prst="rect">
+            <a:avLst/>
+          </a:prstGeom>
+        </p:spPr>
+      </p:pic>
+      <p:pic>
+        <p:nvPicPr>
+          <p:cNvPr id="2" name="그림 1"/>
+          <p:cNvPicPr>
+            <a:picLocks noChangeAspect="1"/>
+          </p:cNvPicPr>
+          <p:nvPr/>
+        </p:nvPicPr>
+        <p:blipFill>
+          <a:blip r:embed="rId3"/>
+          <a:stretch>
+            <a:fillRect/>
+          </a:stretch>
+        </p:blipFill>
+        <p:spPr>
+          <a:xfrm>
+            <a:off x="3923928" y="1674536"/>
+            <a:ext cx="4579689" cy="4517039"/>
+          </a:xfrm>
+          <a:prstGeom prst="rect">
+            <a:avLst/>
+          </a:prstGeom>
+        </p:spPr>
+      </p:pic>
+    </p:spTree>
+    <p:extLst>
+      <p:ext uri="{BB962C8B-B14F-4D97-AF65-F5344CB8AC3E}">
+        <p14:creationId xmlns:p14="http://schemas.microsoft.com/office/powerpoint/2010/main" val="2084712351"/>
+      </p:ext>
+    </p:extLst>
+  </p:cSld>
+  <p:clrMapOvr>
+    <a:masterClrMapping/>
+  </p:clrMapOvr>
+</p:sld>
+</file>
+
+<file path=ppt/slides/slide13.xml><?xml version="1.0" encoding="utf-8"?>
+<p:sld xmlns:a="http://schemas.openxmlformats.org/drawingml/2006/main" xmlns:r="http://schemas.openxmlformats.org/officeDocument/2006/relationships" xmlns:p="http://schemas.openxmlformats.org/presentationml/2006/main">
+  <p:cSld>
+    <p:spTree>
+      <p:nvGrpSpPr>
+        <p:cNvPr id="1" name=""/>
+        <p:cNvGrpSpPr/>
+        <p:nvPr/>
+      </p:nvGrpSpPr>
+      <p:grpSpPr>
+        <a:xfrm>
+          <a:off x="0" y="0"/>
+          <a:ext cx="0" cy="0"/>
+          <a:chOff x="0" y="0"/>
+          <a:chExt cx="0" cy="0"/>
+        </a:xfrm>
+      </p:grpSpPr>
+      <p:sp>
+        <p:nvSpPr>
+          <p:cNvPr id="5" name="액자 4"/>
+          <p:cNvSpPr/>
+          <p:nvPr/>
+        </p:nvSpPr>
+        <p:spPr>
+          <a:xfrm>
+            <a:off x="323528" y="1340768"/>
+            <a:ext cx="8496944" cy="5184576"/>
+          </a:xfrm>
+          <a:prstGeom prst="frame">
+            <a:avLst>
+              <a:gd name="adj1" fmla="val 3557"/>
+            </a:avLst>
+          </a:prstGeom>
+          <a:solidFill>
+            <a:schemeClr val="accent4">
+              <a:lumMod val="60000"/>
+              <a:lumOff val="40000"/>
+            </a:schemeClr>
+          </a:solidFill>
+          <a:ln>
+            <a:solidFill>
+              <a:schemeClr val="accent4">
+                <a:lumMod val="75000"/>
+              </a:schemeClr>
+            </a:solidFill>
+          </a:ln>
+        </p:spPr>
+        <p:style>
+          <a:lnRef idx="2">
+            <a:schemeClr val="accent1">
+              <a:shade val="50000"/>
+            </a:schemeClr>
+          </a:lnRef>
+          <a:fillRef idx="1">
+            <a:schemeClr val="accent1"/>
+          </a:fillRef>
+          <a:effectRef idx="0">
+            <a:schemeClr val="accent1"/>
+          </a:effectRef>
+          <a:fontRef idx="minor">
+            <a:schemeClr val="lt1"/>
+          </a:fontRef>
+        </p:style>
+        <p:txBody>
+          <a:bodyPr rtlCol="0" anchor="ctr"/>
+          <a:lstStyle/>
+          <a:p>
+            <a:pPr algn="ctr"/>
+            <a:endParaRPr lang="ko-KR" altLang="en-US">
+              <a:solidFill>
+                <a:schemeClr val="tx1"/>
+              </a:solidFill>
+            </a:endParaRPr>
+          </a:p>
+        </p:txBody>
+      </p:sp>
+      <p:sp>
+        <p:nvSpPr>
+          <p:cNvPr id="7" name="TextBox 6"/>
+          <p:cNvSpPr txBox="1"/>
+          <p:nvPr/>
+        </p:nvSpPr>
+        <p:spPr>
+          <a:xfrm>
+            <a:off x="3707904" y="392459"/>
+            <a:ext cx="1962397" cy="584775"/>
+          </a:xfrm>
+          <a:prstGeom prst="rect">
+            <a:avLst/>
+          </a:prstGeom>
+          <a:noFill/>
+        </p:spPr>
+        <p:txBody>
+          <a:bodyPr wrap="none" rtlCol="0">
+            <a:spAutoFit/>
+          </a:bodyPr>
+          <a:lstStyle/>
+          <a:p>
+            <a:r>
+              <a:rPr lang="ko-KR" altLang="en-US" sz="3200" dirty="0" smtClean="0">
+                <a:latin typeface="HY강B" panose="02030600000101010101" pitchFamily="18" charset="-127"/>
+                <a:ea typeface="HY강B" panose="02030600000101010101" pitchFamily="18" charset="-127"/>
+              </a:rPr>
+              <a:t>화면 구현</a:t>
+            </a:r>
+            <a:endParaRPr lang="en-US" altLang="ko-KR" sz="3200" dirty="0" smtClean="0">
+              <a:latin typeface="HY강B" panose="02030600000101010101" pitchFamily="18" charset="-127"/>
+              <a:ea typeface="HY강B" panose="02030600000101010101" pitchFamily="18" charset="-127"/>
+            </a:endParaRPr>
+          </a:p>
+        </p:txBody>
+      </p:sp>
+      <p:sp>
+        <p:nvSpPr>
+          <p:cNvPr id="8" name="TextBox 7"/>
+          <p:cNvSpPr txBox="1"/>
+          <p:nvPr/>
+        </p:nvSpPr>
+        <p:spPr>
+          <a:xfrm>
+            <a:off x="734793" y="4020749"/>
+            <a:ext cx="3024336" cy="923330"/>
+          </a:xfrm>
+          <a:prstGeom prst="rect">
+            <a:avLst/>
+          </a:prstGeom>
+          <a:noFill/>
+        </p:spPr>
+        <p:txBody>
+          <a:bodyPr wrap="square" rtlCol="0">
+            <a:spAutoFit/>
+          </a:bodyPr>
+          <a:lstStyle/>
+          <a:p>
+            <a:r>
+              <a:rPr lang="ko-KR" altLang="en-US" dirty="0" smtClean="0"/>
+              <a:t>상단 </a:t>
+            </a:r>
+            <a:r>
+              <a:rPr lang="en-US" altLang="ko-KR" dirty="0" smtClean="0"/>
+              <a:t>+/- </a:t>
+            </a:r>
+            <a:r>
+              <a:rPr lang="ko-KR" altLang="en-US" dirty="0" smtClean="0"/>
+              <a:t>버튼으로 </a:t>
+            </a:r>
+            <a:r>
+              <a:rPr lang="en-US" altLang="ko-KR" dirty="0" smtClean="0"/>
+              <a:t>DB </a:t>
+            </a:r>
+            <a:r>
+              <a:rPr lang="ko-KR" altLang="en-US" dirty="0" smtClean="0"/>
+              <a:t>테이블들을 한꺼번에 생성</a:t>
+            </a:r>
+            <a:r>
+              <a:rPr lang="en-US" altLang="ko-KR" dirty="0" smtClean="0"/>
+              <a:t>/</a:t>
+            </a:r>
+            <a:r>
+              <a:rPr lang="ko-KR" altLang="en-US" dirty="0" smtClean="0"/>
+              <a:t>제거 가능</a:t>
+            </a:r>
+            <a:endParaRPr lang="ko-KR" altLang="en-US" dirty="0"/>
+          </a:p>
+        </p:txBody>
+      </p:sp>
+      <p:sp>
+        <p:nvSpPr>
+          <p:cNvPr id="9" name="TextBox 8"/>
+          <p:cNvSpPr txBox="1"/>
+          <p:nvPr/>
+        </p:nvSpPr>
+        <p:spPr>
+          <a:xfrm>
+            <a:off x="1652086" y="3284984"/>
+            <a:ext cx="1189749" cy="369332"/>
+          </a:xfrm>
+          <a:prstGeom prst="rect">
+            <a:avLst/>
+          </a:prstGeom>
+          <a:noFill/>
+        </p:spPr>
+        <p:txBody>
+          <a:bodyPr wrap="none" rtlCol="0">
+            <a:spAutoFit/>
+          </a:bodyPr>
+          <a:lstStyle/>
+          <a:p>
+            <a:r>
+              <a:rPr lang="ko-KR" altLang="en-US" b="1" dirty="0" smtClean="0"/>
+              <a:t>메인 화면</a:t>
+            </a:r>
+            <a:endParaRPr lang="ko-KR" altLang="en-US" b="1" dirty="0"/>
+          </a:p>
+        </p:txBody>
+      </p:sp>
+      <p:pic>
+        <p:nvPicPr>
+          <p:cNvPr id="11" name="그림 10"/>
+          <p:cNvPicPr>
+            <a:picLocks noChangeAspect="1"/>
+          </p:cNvPicPr>
+          <p:nvPr/>
+        </p:nvPicPr>
+        <p:blipFill>
+          <a:blip r:embed="rId2" cstate="print">
+            <a:extLst>
+              <a:ext uri="{28A0092B-C50C-407E-A947-70E740481C1C}">
+                <a14:useLocalDpi xmlns:a14="http://schemas.microsoft.com/office/drawing/2010/main" val="0"/>
+              </a:ext>
+            </a:extLst>
+          </a:blip>
+          <a:stretch>
+            <a:fillRect/>
+          </a:stretch>
+        </p:blipFill>
+        <p:spPr>
+          <a:xfrm>
+            <a:off x="2411760" y="276246"/>
+            <a:ext cx="817200" cy="817200"/>
+          </a:xfrm>
+          <a:prstGeom prst="rect">
+            <a:avLst/>
+          </a:prstGeom>
+        </p:spPr>
+      </p:pic>
+      <p:pic>
+        <p:nvPicPr>
+          <p:cNvPr id="3" name="그림 2"/>
+          <p:cNvPicPr>
+            <a:picLocks noChangeAspect="1"/>
+          </p:cNvPicPr>
+          <p:nvPr/>
+        </p:nvPicPr>
+        <p:blipFill>
+          <a:blip r:embed="rId3">
+            <a:extLst>
+              <a:ext uri="{28A0092B-C50C-407E-A947-70E740481C1C}">
+                <a14:useLocalDpi xmlns:a14="http://schemas.microsoft.com/office/drawing/2010/main" val="0"/>
+              </a:ext>
+            </a:extLst>
+          </a:blip>
+          <a:stretch>
+            <a:fillRect/>
+          </a:stretch>
+        </p:blipFill>
+        <p:spPr>
+          <a:xfrm>
+            <a:off x="3851920" y="2420888"/>
+            <a:ext cx="4662228" cy="2900695"/>
+          </a:xfrm>
+          <a:prstGeom prst="rect">
+            <a:avLst/>
+          </a:prstGeom>
+          <a:effectLst>
+            <a:outerShdw blurRad="50800" dist="38100" dir="2700000" algn="tl" rotWithShape="0">
+              <a:prstClr val="black">
+                <a:alpha val="40000"/>
+              </a:prstClr>
+            </a:outerShdw>
+          </a:effectLst>
+        </p:spPr>
+      </p:pic>
+    </p:spTree>
+    <p:extLst>
+      <p:ext uri="{BB962C8B-B14F-4D97-AF65-F5344CB8AC3E}">
+        <p14:creationId xmlns:p14="http://schemas.microsoft.com/office/powerpoint/2010/main" val="675565776"/>
+      </p:ext>
+    </p:extLst>
+  </p:cSld>
+  <p:clrMapOvr>
+    <a:masterClrMapping/>
+  </p:clrMapOvr>
+</p:sld>
+</file>
+
+<file path=ppt/slides/slide14.xml><?xml version="1.0" encoding="utf-8"?>
+<p:sld xmlns:a="http://schemas.openxmlformats.org/drawingml/2006/main" xmlns:r="http://schemas.openxmlformats.org/officeDocument/2006/relationships" xmlns:p="http://schemas.openxmlformats.org/presentationml/2006/main">
+  <p:cSld>
+    <p:spTree>
+      <p:nvGrpSpPr>
+        <p:cNvPr id="1" name=""/>
+        <p:cNvGrpSpPr/>
+        <p:nvPr/>
+      </p:nvGrpSpPr>
+      <p:grpSpPr>
+        <a:xfrm>
+          <a:off x="0" y="0"/>
+          <a:ext cx="0" cy="0"/>
+          <a:chOff x="0" y="0"/>
+          <a:chExt cx="0" cy="0"/>
+        </a:xfrm>
+      </p:grpSpPr>
+      <p:sp>
+        <p:nvSpPr>
+          <p:cNvPr id="5" name="액자 4"/>
+          <p:cNvSpPr/>
+          <p:nvPr/>
+        </p:nvSpPr>
+        <p:spPr>
+          <a:xfrm>
+            <a:off x="323528" y="1340768"/>
+            <a:ext cx="8496944" cy="5184576"/>
+          </a:xfrm>
+          <a:prstGeom prst="frame">
+            <a:avLst>
+              <a:gd name="adj1" fmla="val 3557"/>
+            </a:avLst>
+          </a:prstGeom>
+          <a:solidFill>
+            <a:schemeClr val="accent4">
+              <a:lumMod val="60000"/>
+              <a:lumOff val="40000"/>
+            </a:schemeClr>
+          </a:solidFill>
+          <a:ln>
+            <a:solidFill>
+              <a:schemeClr val="accent4">
+                <a:lumMod val="75000"/>
+              </a:schemeClr>
+            </a:solidFill>
+          </a:ln>
+        </p:spPr>
+        <p:style>
+          <a:lnRef idx="2">
+            <a:schemeClr val="accent1">
+              <a:shade val="50000"/>
+            </a:schemeClr>
+          </a:lnRef>
+          <a:fillRef idx="1">
+            <a:schemeClr val="accent1"/>
+          </a:fillRef>
+          <a:effectRef idx="0">
+            <a:schemeClr val="accent1"/>
+          </a:effectRef>
+          <a:fontRef idx="minor">
+            <a:schemeClr val="lt1"/>
+          </a:fontRef>
+        </p:style>
+        <p:txBody>
+          <a:bodyPr rtlCol="0" anchor="ctr"/>
+          <a:lstStyle/>
+          <a:p>
+            <a:pPr algn="ctr"/>
+            <a:endParaRPr lang="ko-KR" altLang="en-US">
+              <a:solidFill>
+                <a:schemeClr val="tx1"/>
+              </a:solidFill>
+            </a:endParaRPr>
+          </a:p>
+        </p:txBody>
+      </p:sp>
+      <p:sp>
+        <p:nvSpPr>
+          <p:cNvPr id="7" name="TextBox 6"/>
+          <p:cNvSpPr txBox="1"/>
+          <p:nvPr/>
+        </p:nvSpPr>
+        <p:spPr>
+          <a:xfrm>
+            <a:off x="3707904" y="392459"/>
+            <a:ext cx="1962397" cy="584775"/>
+          </a:xfrm>
+          <a:prstGeom prst="rect">
+            <a:avLst/>
+          </a:prstGeom>
+          <a:noFill/>
+        </p:spPr>
+        <p:txBody>
+          <a:bodyPr wrap="none" rtlCol="0">
+            <a:spAutoFit/>
+          </a:bodyPr>
+          <a:lstStyle/>
+          <a:p>
+            <a:r>
+              <a:rPr lang="ko-KR" altLang="en-US" sz="3200" dirty="0" smtClean="0">
+                <a:latin typeface="HY강B" panose="02030600000101010101" pitchFamily="18" charset="-127"/>
+                <a:ea typeface="HY강B" panose="02030600000101010101" pitchFamily="18" charset="-127"/>
+              </a:rPr>
+              <a:t>화면 구현</a:t>
+            </a:r>
+            <a:endParaRPr lang="en-US" altLang="ko-KR" sz="3200" dirty="0" smtClean="0">
+              <a:latin typeface="HY강B" panose="02030600000101010101" pitchFamily="18" charset="-127"/>
+              <a:ea typeface="HY강B" panose="02030600000101010101" pitchFamily="18" charset="-127"/>
+            </a:endParaRPr>
+          </a:p>
+        </p:txBody>
+      </p:sp>
+      <p:sp>
+        <p:nvSpPr>
+          <p:cNvPr id="8" name="TextBox 7"/>
+          <p:cNvSpPr txBox="1"/>
+          <p:nvPr/>
+        </p:nvSpPr>
+        <p:spPr>
+          <a:xfrm>
+            <a:off x="734793" y="4020749"/>
+            <a:ext cx="3024336" cy="1200329"/>
+          </a:xfrm>
+          <a:prstGeom prst="rect">
+            <a:avLst/>
+          </a:prstGeom>
+          <a:noFill/>
+        </p:spPr>
+        <p:txBody>
+          <a:bodyPr wrap="square" rtlCol="0">
+            <a:spAutoFit/>
+          </a:bodyPr>
+          <a:lstStyle/>
+          <a:p>
+            <a:r>
+              <a:rPr lang="ko-KR" altLang="en-US" dirty="0" smtClean="0"/>
+              <a:t>차량</a:t>
+            </a:r>
+            <a:r>
+              <a:rPr lang="en-US" altLang="ko-KR" dirty="0" smtClean="0"/>
+              <a:t>, </a:t>
+            </a:r>
+            <a:r>
+              <a:rPr lang="ko-KR" altLang="en-US" dirty="0" smtClean="0"/>
+              <a:t>고객</a:t>
+            </a:r>
+            <a:r>
+              <a:rPr lang="en-US" altLang="ko-KR" dirty="0" smtClean="0"/>
+              <a:t>, </a:t>
+            </a:r>
+            <a:r>
+              <a:rPr lang="ko-KR" altLang="en-US" dirty="0" smtClean="0"/>
+              <a:t>판매자 정보들을 한꺼번에 입력 받아</a:t>
+            </a:r>
+            <a:r>
+              <a:rPr lang="en-US" altLang="ko-KR" dirty="0" smtClean="0"/>
+              <a:t>, </a:t>
+            </a:r>
+            <a:r>
+              <a:rPr lang="ko-KR" altLang="en-US" dirty="0" smtClean="0"/>
+              <a:t>거래 정보 생성 </a:t>
+            </a:r>
+            <a:r>
+              <a:rPr lang="en-US" altLang="ko-KR" dirty="0" smtClean="0"/>
+              <a:t>&amp; </a:t>
+            </a:r>
+            <a:r>
+              <a:rPr lang="ko-KR" altLang="en-US" dirty="0" smtClean="0"/>
+              <a:t>테이블에 정보 추가</a:t>
+            </a:r>
+            <a:endParaRPr lang="en-US" altLang="ko-KR" dirty="0" smtClean="0"/>
+          </a:p>
+        </p:txBody>
+      </p:sp>
+      <p:sp>
+        <p:nvSpPr>
+          <p:cNvPr id="9" name="TextBox 8"/>
+          <p:cNvSpPr txBox="1"/>
+          <p:nvPr/>
+        </p:nvSpPr>
+        <p:spPr>
+          <a:xfrm>
+            <a:off x="1380377" y="3284984"/>
+            <a:ext cx="1733167" cy="369332"/>
+          </a:xfrm>
+          <a:prstGeom prst="rect">
+            <a:avLst/>
+          </a:prstGeom>
+          <a:noFill/>
+        </p:spPr>
+        <p:txBody>
+          <a:bodyPr wrap="none" rtlCol="0">
+            <a:spAutoFit/>
+          </a:bodyPr>
+          <a:lstStyle/>
+          <a:p>
+            <a:r>
+              <a:rPr lang="ko-KR" altLang="en-US" b="1" smtClean="0"/>
+              <a:t>거래 정보 추가</a:t>
+            </a:r>
+            <a:endParaRPr lang="ko-KR" altLang="en-US" b="1" dirty="0"/>
+          </a:p>
+        </p:txBody>
+      </p:sp>
+      <p:pic>
+        <p:nvPicPr>
+          <p:cNvPr id="11" name="그림 10"/>
+          <p:cNvPicPr>
+            <a:picLocks noChangeAspect="1"/>
+          </p:cNvPicPr>
+          <p:nvPr/>
+        </p:nvPicPr>
+        <p:blipFill>
+          <a:blip r:embed="rId2" cstate="print">
+            <a:extLst>
+              <a:ext uri="{28A0092B-C50C-407E-A947-70E740481C1C}">
+                <a14:useLocalDpi xmlns:a14="http://schemas.microsoft.com/office/drawing/2010/main" val="0"/>
+              </a:ext>
+            </a:extLst>
+          </a:blip>
+          <a:stretch>
+            <a:fillRect/>
+          </a:stretch>
+        </p:blipFill>
+        <p:spPr>
+          <a:xfrm>
+            <a:off x="2411760" y="276246"/>
+            <a:ext cx="817200" cy="817200"/>
+          </a:xfrm>
+          <a:prstGeom prst="rect">
+            <a:avLst/>
+          </a:prstGeom>
+        </p:spPr>
+      </p:pic>
+      <p:pic>
+        <p:nvPicPr>
+          <p:cNvPr id="2" name="그림 1"/>
+          <p:cNvPicPr>
+            <a:picLocks noChangeAspect="1"/>
+          </p:cNvPicPr>
+          <p:nvPr/>
+        </p:nvPicPr>
+        <p:blipFill>
+          <a:blip r:embed="rId3">
+            <a:extLst>
+              <a:ext uri="{28A0092B-C50C-407E-A947-70E740481C1C}">
+                <a14:useLocalDpi xmlns:a14="http://schemas.microsoft.com/office/drawing/2010/main" val="0"/>
+              </a:ext>
+            </a:extLst>
+          </a:blip>
+          <a:stretch>
+            <a:fillRect/>
+          </a:stretch>
+        </p:blipFill>
+        <p:spPr>
+          <a:xfrm>
+            <a:off x="3683977" y="2276872"/>
+            <a:ext cx="4854844" cy="3312368"/>
+          </a:xfrm>
+          <a:prstGeom prst="rect">
+            <a:avLst/>
+          </a:prstGeom>
+          <a:effectLst>
+            <a:outerShdw blurRad="50800" dist="38100" dir="2700000" algn="tl" rotWithShape="0">
+              <a:prstClr val="black">
+                <a:alpha val="40000"/>
+              </a:prstClr>
+            </a:outerShdw>
+          </a:effectLst>
+        </p:spPr>
+      </p:pic>
+    </p:spTree>
+    <p:extLst>
+      <p:ext uri="{BB962C8B-B14F-4D97-AF65-F5344CB8AC3E}">
+        <p14:creationId xmlns:p14="http://schemas.microsoft.com/office/powerpoint/2010/main" val="3512338143"/>
+      </p:ext>
+    </p:extLst>
+  </p:cSld>
+  <p:clrMapOvr>
+    <a:masterClrMapping/>
+  </p:clrMapOvr>
+</p:sld>
+</file>
+
+<file path=ppt/slides/slide15.xml><?xml version="1.0" encoding="utf-8"?>
+<p:sld xmlns:a="http://schemas.openxmlformats.org/drawingml/2006/main" xmlns:r="http://schemas.openxmlformats.org/officeDocument/2006/relationships" xmlns:p="http://schemas.openxmlformats.org/presentationml/2006/main">
+  <p:cSld>
+    <p:spTree>
+      <p:nvGrpSpPr>
+        <p:cNvPr id="1" name=""/>
+        <p:cNvGrpSpPr/>
+        <p:nvPr/>
+      </p:nvGrpSpPr>
+      <p:grpSpPr>
+        <a:xfrm>
+          <a:off x="0" y="0"/>
+          <a:ext cx="0" cy="0"/>
+          <a:chOff x="0" y="0"/>
+          <a:chExt cx="0" cy="0"/>
+        </a:xfrm>
+      </p:grpSpPr>
+      <p:sp>
+        <p:nvSpPr>
+          <p:cNvPr id="5" name="액자 4"/>
+          <p:cNvSpPr/>
+          <p:nvPr/>
+        </p:nvSpPr>
+        <p:spPr>
+          <a:xfrm>
+            <a:off x="323528" y="1340768"/>
+            <a:ext cx="8496944" cy="5184576"/>
+          </a:xfrm>
+          <a:prstGeom prst="frame">
+            <a:avLst>
+              <a:gd name="adj1" fmla="val 3557"/>
+            </a:avLst>
+          </a:prstGeom>
+          <a:solidFill>
+            <a:schemeClr val="accent4">
+              <a:lumMod val="60000"/>
+              <a:lumOff val="40000"/>
+            </a:schemeClr>
+          </a:solidFill>
+          <a:ln>
+            <a:solidFill>
+              <a:schemeClr val="accent4">
+                <a:lumMod val="75000"/>
+              </a:schemeClr>
+            </a:solidFill>
+          </a:ln>
+        </p:spPr>
+        <p:style>
+          <a:lnRef idx="2">
+            <a:schemeClr val="accent1">
+              <a:shade val="50000"/>
+            </a:schemeClr>
+          </a:lnRef>
+          <a:fillRef idx="1">
+            <a:schemeClr val="accent1"/>
+          </a:fillRef>
+          <a:effectRef idx="0">
+            <a:schemeClr val="accent1"/>
+          </a:effectRef>
+          <a:fontRef idx="minor">
+            <a:schemeClr val="lt1"/>
+          </a:fontRef>
+        </p:style>
+        <p:txBody>
+          <a:bodyPr rtlCol="0" anchor="ctr"/>
+          <a:lstStyle/>
+          <a:p>
+            <a:pPr algn="ctr"/>
+            <a:endParaRPr lang="ko-KR" altLang="en-US">
+              <a:solidFill>
+                <a:schemeClr val="tx1"/>
+              </a:solidFill>
+            </a:endParaRPr>
+          </a:p>
+        </p:txBody>
+      </p:sp>
+      <p:sp>
+        <p:nvSpPr>
+          <p:cNvPr id="7" name="TextBox 6"/>
+          <p:cNvSpPr txBox="1"/>
+          <p:nvPr/>
+        </p:nvSpPr>
+        <p:spPr>
+          <a:xfrm>
+            <a:off x="3707904" y="392459"/>
+            <a:ext cx="1962397" cy="584775"/>
+          </a:xfrm>
+          <a:prstGeom prst="rect">
+            <a:avLst/>
+          </a:prstGeom>
+          <a:noFill/>
+        </p:spPr>
+        <p:txBody>
+          <a:bodyPr wrap="none" rtlCol="0">
+            <a:spAutoFit/>
+          </a:bodyPr>
+          <a:lstStyle/>
+          <a:p>
+            <a:r>
+              <a:rPr lang="ko-KR" altLang="en-US" sz="3200" dirty="0" smtClean="0">
+                <a:latin typeface="HY강B" panose="02030600000101010101" pitchFamily="18" charset="-127"/>
+                <a:ea typeface="HY강B" panose="02030600000101010101" pitchFamily="18" charset="-127"/>
+              </a:rPr>
+              <a:t>화면 구현</a:t>
+            </a:r>
+            <a:endParaRPr lang="en-US" altLang="ko-KR" sz="3200" dirty="0" smtClean="0">
+              <a:latin typeface="HY강B" panose="02030600000101010101" pitchFamily="18" charset="-127"/>
+              <a:ea typeface="HY강B" panose="02030600000101010101" pitchFamily="18" charset="-127"/>
+            </a:endParaRPr>
+          </a:p>
+        </p:txBody>
+      </p:sp>
+      <p:sp>
+        <p:nvSpPr>
+          <p:cNvPr id="8" name="TextBox 7"/>
+          <p:cNvSpPr txBox="1"/>
+          <p:nvPr/>
+        </p:nvSpPr>
+        <p:spPr>
+          <a:xfrm>
+            <a:off x="647727" y="4040530"/>
+            <a:ext cx="3024336" cy="646331"/>
+          </a:xfrm>
+          <a:prstGeom prst="rect">
+            <a:avLst/>
+          </a:prstGeom>
+          <a:noFill/>
+        </p:spPr>
+        <p:txBody>
+          <a:bodyPr wrap="square" rtlCol="0">
+            <a:spAutoFit/>
+          </a:bodyPr>
+          <a:lstStyle/>
+          <a:p>
+            <a:r>
+              <a:rPr lang="ko-KR" altLang="en-US" dirty="0" smtClean="0"/>
+              <a:t>추가한 거래 내역을 보고</a:t>
+            </a:r>
+            <a:r>
+              <a:rPr lang="en-US" altLang="ko-KR" dirty="0" smtClean="0"/>
+              <a:t>, </a:t>
+            </a:r>
+            <a:r>
+              <a:rPr lang="ko-KR" altLang="en-US" dirty="0" smtClean="0"/>
+              <a:t>내역 삭제가 가능하다</a:t>
+            </a:r>
+            <a:r>
+              <a:rPr lang="en-US" altLang="ko-KR" dirty="0" smtClean="0"/>
+              <a:t>.</a:t>
+            </a:r>
+          </a:p>
+        </p:txBody>
+      </p:sp>
+      <p:sp>
+        <p:nvSpPr>
+          <p:cNvPr id="9" name="TextBox 8"/>
+          <p:cNvSpPr txBox="1"/>
+          <p:nvPr/>
+        </p:nvSpPr>
+        <p:spPr>
+          <a:xfrm>
+            <a:off x="1187624" y="3125378"/>
+            <a:ext cx="1733167" cy="369332"/>
+          </a:xfrm>
+          <a:prstGeom prst="rect">
+            <a:avLst/>
+          </a:prstGeom>
+          <a:noFill/>
+        </p:spPr>
+        <p:txBody>
+          <a:bodyPr wrap="none" rtlCol="0">
+            <a:spAutoFit/>
+          </a:bodyPr>
+          <a:lstStyle/>
+          <a:p>
+            <a:r>
+              <a:rPr lang="ko-KR" altLang="en-US" b="1" dirty="0" smtClean="0"/>
+              <a:t>거래 내역 보기</a:t>
+            </a:r>
+            <a:endParaRPr lang="ko-KR" altLang="en-US" b="1" dirty="0"/>
+          </a:p>
+        </p:txBody>
+      </p:sp>
+      <p:pic>
+        <p:nvPicPr>
+          <p:cNvPr id="11" name="그림 10"/>
+          <p:cNvPicPr>
+            <a:picLocks noChangeAspect="1"/>
+          </p:cNvPicPr>
+          <p:nvPr/>
+        </p:nvPicPr>
+        <p:blipFill>
+          <a:blip r:embed="rId2" cstate="print">
+            <a:extLst>
+              <a:ext uri="{28A0092B-C50C-407E-A947-70E740481C1C}">
+                <a14:useLocalDpi xmlns:a14="http://schemas.microsoft.com/office/drawing/2010/main" val="0"/>
+              </a:ext>
+            </a:extLst>
+          </a:blip>
+          <a:stretch>
+            <a:fillRect/>
+          </a:stretch>
+        </p:blipFill>
+        <p:spPr>
+          <a:xfrm>
+            <a:off x="2411760" y="276246"/>
+            <a:ext cx="817200" cy="817200"/>
+          </a:xfrm>
+          <a:prstGeom prst="rect">
+            <a:avLst/>
+          </a:prstGeom>
+        </p:spPr>
+      </p:pic>
+      <p:pic>
+        <p:nvPicPr>
+          <p:cNvPr id="4" name="그림 3"/>
+          <p:cNvPicPr>
+            <a:picLocks noChangeAspect="1"/>
+          </p:cNvPicPr>
+          <p:nvPr/>
+        </p:nvPicPr>
+        <p:blipFill>
+          <a:blip r:embed="rId3"/>
+          <a:stretch>
+            <a:fillRect/>
+          </a:stretch>
+        </p:blipFill>
+        <p:spPr>
+          <a:xfrm>
+            <a:off x="3563888" y="2454019"/>
+            <a:ext cx="4916049" cy="3133459"/>
+          </a:xfrm>
+          <a:prstGeom prst="rect">
+            <a:avLst/>
+          </a:prstGeom>
+          <a:effectLst>
+            <a:outerShdw blurRad="50800" dist="38100" dir="2700000" algn="tl" rotWithShape="0">
+              <a:prstClr val="black">
+                <a:alpha val="40000"/>
+              </a:prstClr>
+            </a:outerShdw>
+          </a:effectLst>
+        </p:spPr>
+      </p:pic>
+    </p:spTree>
+    <p:extLst>
+      <p:ext uri="{BB962C8B-B14F-4D97-AF65-F5344CB8AC3E}">
+        <p14:creationId xmlns:p14="http://schemas.microsoft.com/office/powerpoint/2010/main" val="2965990250"/>
+      </p:ext>
+    </p:extLst>
+  </p:cSld>
+  <p:clrMapOvr>
+    <a:masterClrMapping/>
+  </p:clrMapOvr>
+</p:sld>
+</file>
+
+<file path=ppt/slides/slide16.xml><?xml version="1.0" encoding="utf-8"?>
+<p:sld xmlns:a="http://schemas.openxmlformats.org/drawingml/2006/main" xmlns:r="http://schemas.openxmlformats.org/officeDocument/2006/relationships" xmlns:p="http://schemas.openxmlformats.org/presentationml/2006/main">
+  <p:cSld>
+    <p:spTree>
+      <p:nvGrpSpPr>
+        <p:cNvPr id="1" name=""/>
+        <p:cNvGrpSpPr/>
+        <p:nvPr/>
+      </p:nvGrpSpPr>
+      <p:grpSpPr>
+        <a:xfrm>
+          <a:off x="0" y="0"/>
+          <a:ext cx="0" cy="0"/>
+          <a:chOff x="0" y="0"/>
+          <a:chExt cx="0" cy="0"/>
+        </a:xfrm>
+      </p:grpSpPr>
+      <p:sp>
+        <p:nvSpPr>
+          <p:cNvPr id="5" name="액자 4"/>
+          <p:cNvSpPr/>
+          <p:nvPr/>
+        </p:nvSpPr>
+        <p:spPr>
+          <a:xfrm>
+            <a:off x="323528" y="1340768"/>
+            <a:ext cx="8496944" cy="5184576"/>
+          </a:xfrm>
+          <a:prstGeom prst="frame">
+            <a:avLst>
+              <a:gd name="adj1" fmla="val 3557"/>
+            </a:avLst>
+          </a:prstGeom>
+          <a:solidFill>
+            <a:schemeClr val="accent4">
+              <a:lumMod val="60000"/>
+              <a:lumOff val="40000"/>
+            </a:schemeClr>
+          </a:solidFill>
+          <a:ln>
+            <a:solidFill>
+              <a:schemeClr val="accent4">
+                <a:lumMod val="75000"/>
+              </a:schemeClr>
+            </a:solidFill>
+          </a:ln>
+        </p:spPr>
+        <p:style>
+          <a:lnRef idx="2">
+            <a:schemeClr val="accent1">
+              <a:shade val="50000"/>
+            </a:schemeClr>
+          </a:lnRef>
+          <a:fillRef idx="1">
+            <a:schemeClr val="accent1"/>
+          </a:fillRef>
+          <a:effectRef idx="0">
+            <a:schemeClr val="accent1"/>
+          </a:effectRef>
+          <a:fontRef idx="minor">
+            <a:schemeClr val="lt1"/>
+          </a:fontRef>
+        </p:style>
+        <p:txBody>
+          <a:bodyPr rtlCol="0" anchor="ctr"/>
+          <a:lstStyle/>
+          <a:p>
+            <a:pPr algn="ctr"/>
+            <a:endParaRPr lang="ko-KR" altLang="en-US">
+              <a:solidFill>
+                <a:schemeClr val="tx1"/>
+              </a:solidFill>
+            </a:endParaRPr>
+          </a:p>
+        </p:txBody>
+      </p:sp>
+      <p:sp>
+        <p:nvSpPr>
+          <p:cNvPr id="7" name="TextBox 6"/>
+          <p:cNvSpPr txBox="1"/>
+          <p:nvPr/>
+        </p:nvSpPr>
+        <p:spPr>
+          <a:xfrm>
+            <a:off x="3707904" y="392459"/>
+            <a:ext cx="1962397" cy="584775"/>
+          </a:xfrm>
+          <a:prstGeom prst="rect">
+            <a:avLst/>
+          </a:prstGeom>
+          <a:noFill/>
+        </p:spPr>
+        <p:txBody>
+          <a:bodyPr wrap="none" rtlCol="0">
+            <a:spAutoFit/>
+          </a:bodyPr>
+          <a:lstStyle/>
+          <a:p>
+            <a:r>
+              <a:rPr lang="ko-KR" altLang="en-US" sz="3200" dirty="0" smtClean="0">
+                <a:latin typeface="HY강B" panose="02030600000101010101" pitchFamily="18" charset="-127"/>
+                <a:ea typeface="HY강B" panose="02030600000101010101" pitchFamily="18" charset="-127"/>
+              </a:rPr>
+              <a:t>화면 구현</a:t>
+            </a:r>
+            <a:endParaRPr lang="en-US" altLang="ko-KR" sz="3200" dirty="0" smtClean="0">
+              <a:latin typeface="HY강B" panose="02030600000101010101" pitchFamily="18" charset="-127"/>
+              <a:ea typeface="HY강B" panose="02030600000101010101" pitchFamily="18" charset="-127"/>
+            </a:endParaRPr>
+          </a:p>
+        </p:txBody>
+      </p:sp>
+      <p:sp>
+        <p:nvSpPr>
+          <p:cNvPr id="8" name="TextBox 7"/>
+          <p:cNvSpPr txBox="1"/>
+          <p:nvPr/>
+        </p:nvSpPr>
+        <p:spPr>
+          <a:xfrm>
+            <a:off x="695028" y="4936170"/>
+            <a:ext cx="3024336" cy="923330"/>
+          </a:xfrm>
+          <a:prstGeom prst="rect">
+            <a:avLst/>
+          </a:prstGeom>
+          <a:noFill/>
+        </p:spPr>
+        <p:txBody>
+          <a:bodyPr wrap="square" rtlCol="0">
+            <a:spAutoFit/>
+          </a:bodyPr>
+          <a:lstStyle/>
+          <a:p>
+            <a:r>
+              <a:rPr lang="ko-KR" altLang="en-US" dirty="0" smtClean="0"/>
+              <a:t>거래 내역에 관련된 차량</a:t>
+            </a:r>
+            <a:r>
+              <a:rPr lang="en-US" altLang="ko-KR" dirty="0" smtClean="0"/>
+              <a:t>, </a:t>
+            </a:r>
+            <a:r>
+              <a:rPr lang="ko-KR" altLang="en-US" dirty="0" smtClean="0"/>
+              <a:t>고객</a:t>
+            </a:r>
+            <a:r>
+              <a:rPr lang="en-US" altLang="ko-KR" dirty="0" smtClean="0"/>
+              <a:t>, </a:t>
+            </a:r>
+            <a:r>
+              <a:rPr lang="ko-KR" altLang="en-US" dirty="0" smtClean="0"/>
+              <a:t>판매자의 상세 정보 확인 및</a:t>
+            </a:r>
+            <a:r>
+              <a:rPr lang="en-US" altLang="ko-KR" dirty="0"/>
+              <a:t> </a:t>
+            </a:r>
+            <a:r>
+              <a:rPr lang="ko-KR" altLang="en-US" dirty="0" smtClean="0"/>
+              <a:t>수정 가능</a:t>
+            </a:r>
+            <a:r>
+              <a:rPr lang="en-US" altLang="ko-KR" dirty="0" smtClean="0"/>
+              <a:t>.</a:t>
+            </a:r>
+            <a:endParaRPr lang="en-US" altLang="ko-KR" dirty="0" smtClean="0"/>
+          </a:p>
+        </p:txBody>
+      </p:sp>
+      <p:sp>
+        <p:nvSpPr>
+          <p:cNvPr id="9" name="TextBox 8"/>
+          <p:cNvSpPr txBox="1"/>
+          <p:nvPr/>
+        </p:nvSpPr>
+        <p:spPr>
+          <a:xfrm>
+            <a:off x="1252129" y="4277402"/>
+            <a:ext cx="1733167" cy="369332"/>
+          </a:xfrm>
+          <a:prstGeom prst="rect">
+            <a:avLst/>
+          </a:prstGeom>
+          <a:noFill/>
+        </p:spPr>
+        <p:txBody>
+          <a:bodyPr wrap="none" rtlCol="0">
+            <a:spAutoFit/>
+          </a:bodyPr>
+          <a:lstStyle/>
+          <a:p>
+            <a:r>
+              <a:rPr lang="ko-KR" altLang="en-US" b="1" dirty="0" smtClean="0"/>
+              <a:t>거래 상세 정보</a:t>
+            </a:r>
+            <a:endParaRPr lang="ko-KR" altLang="en-US" b="1" dirty="0"/>
+          </a:p>
+        </p:txBody>
+      </p:sp>
+      <p:pic>
+        <p:nvPicPr>
+          <p:cNvPr id="11" name="그림 10"/>
+          <p:cNvPicPr>
+            <a:picLocks noChangeAspect="1"/>
+          </p:cNvPicPr>
+          <p:nvPr/>
+        </p:nvPicPr>
+        <p:blipFill>
+          <a:blip r:embed="rId2" cstate="print">
+            <a:extLst>
+              <a:ext uri="{28A0092B-C50C-407E-A947-70E740481C1C}">
+                <a14:useLocalDpi xmlns:a14="http://schemas.microsoft.com/office/drawing/2010/main" val="0"/>
+              </a:ext>
+            </a:extLst>
+          </a:blip>
+          <a:stretch>
+            <a:fillRect/>
+          </a:stretch>
+        </p:blipFill>
+        <p:spPr>
+          <a:xfrm>
+            <a:off x="2411760" y="276246"/>
+            <a:ext cx="817200" cy="817200"/>
+          </a:xfrm>
+          <a:prstGeom prst="rect">
+            <a:avLst/>
+          </a:prstGeom>
+        </p:spPr>
+      </p:pic>
+      <p:pic>
+        <p:nvPicPr>
+          <p:cNvPr id="2" name="그림 1"/>
+          <p:cNvPicPr>
+            <a:picLocks noChangeAspect="1"/>
+          </p:cNvPicPr>
+          <p:nvPr/>
+        </p:nvPicPr>
+        <p:blipFill>
+          <a:blip r:embed="rId3">
+            <a:extLst>
+              <a:ext uri="{28A0092B-C50C-407E-A947-70E740481C1C}">
+                <a14:useLocalDpi xmlns:a14="http://schemas.microsoft.com/office/drawing/2010/main" val="0"/>
+              </a:ext>
+            </a:extLst>
+          </a:blip>
+          <a:stretch>
+            <a:fillRect/>
+          </a:stretch>
+        </p:blipFill>
+        <p:spPr>
+          <a:xfrm>
+            <a:off x="3325586" y="1712720"/>
+            <a:ext cx="2727032" cy="2743264"/>
+          </a:xfrm>
+          <a:prstGeom prst="rect">
+            <a:avLst/>
+          </a:prstGeom>
+          <a:effectLst>
+            <a:outerShdw blurRad="50800" dist="38100" dir="2700000" algn="tl" rotWithShape="0">
+              <a:prstClr val="black">
+                <a:alpha val="40000"/>
+              </a:prstClr>
+            </a:outerShdw>
+          </a:effectLst>
+        </p:spPr>
+      </p:pic>
+      <p:pic>
+        <p:nvPicPr>
+          <p:cNvPr id="3" name="그림 2"/>
+          <p:cNvPicPr>
+            <a:picLocks noChangeAspect="1"/>
+          </p:cNvPicPr>
+          <p:nvPr/>
+        </p:nvPicPr>
+        <p:blipFill>
+          <a:blip r:embed="rId4">
+            <a:extLst>
+              <a:ext uri="{28A0092B-C50C-407E-A947-70E740481C1C}">
+                <a14:useLocalDpi xmlns:a14="http://schemas.microsoft.com/office/drawing/2010/main" val="0"/>
+              </a:ext>
+            </a:extLst>
+          </a:blip>
+          <a:stretch>
+            <a:fillRect/>
+          </a:stretch>
+        </p:blipFill>
+        <p:spPr>
+          <a:xfrm>
+            <a:off x="4260847" y="2689013"/>
+            <a:ext cx="2727032" cy="2456493"/>
+          </a:xfrm>
+          <a:prstGeom prst="rect">
+            <a:avLst/>
+          </a:prstGeom>
+          <a:effectLst>
+            <a:outerShdw blurRad="50800" dist="38100" dir="2700000" algn="tl" rotWithShape="0">
+              <a:prstClr val="black">
+                <a:alpha val="40000"/>
+              </a:prstClr>
+            </a:outerShdw>
+          </a:effectLst>
+        </p:spPr>
+      </p:pic>
+      <p:pic>
+        <p:nvPicPr>
+          <p:cNvPr id="6" name="그림 5"/>
+          <p:cNvPicPr>
+            <a:picLocks noChangeAspect="1"/>
+          </p:cNvPicPr>
+          <p:nvPr/>
+        </p:nvPicPr>
+        <p:blipFill>
+          <a:blip r:embed="rId5">
+            <a:extLst>
+              <a:ext uri="{28A0092B-C50C-407E-A947-70E740481C1C}">
+                <a14:useLocalDpi xmlns:a14="http://schemas.microsoft.com/office/drawing/2010/main" val="0"/>
+              </a:ext>
+            </a:extLst>
+          </a:blip>
+          <a:stretch>
+            <a:fillRect/>
+          </a:stretch>
+        </p:blipFill>
+        <p:spPr>
+          <a:xfrm>
+            <a:off x="5647065" y="3479690"/>
+            <a:ext cx="2727032" cy="2743264"/>
+          </a:xfrm>
+          <a:prstGeom prst="rect">
+            <a:avLst/>
+          </a:prstGeom>
+          <a:effectLst>
+            <a:outerShdw blurRad="50800" dist="38100" dir="2700000" algn="tl" rotWithShape="0">
+              <a:prstClr val="black">
+                <a:alpha val="40000"/>
+              </a:prstClr>
+            </a:outerShdw>
+          </a:effectLst>
+        </p:spPr>
+      </p:pic>
+    </p:spTree>
+    <p:extLst>
+      <p:ext uri="{BB962C8B-B14F-4D97-AF65-F5344CB8AC3E}">
+        <p14:creationId xmlns:p14="http://schemas.microsoft.com/office/powerpoint/2010/main" val="934476618"/>
+      </p:ext>
+    </p:extLst>
+  </p:cSld>
+  <p:clrMapOvr>
+    <a:masterClrMapping/>
+  </p:clrMapOvr>
+</p:sld>
+</file>
+
+<file path=ppt/slides/slide17.xml><?xml version="1.0" encoding="utf-8"?>
+<p:sld xmlns:a="http://schemas.openxmlformats.org/drawingml/2006/main" xmlns:r="http://schemas.openxmlformats.org/officeDocument/2006/relationships" xmlns:p="http://schemas.openxmlformats.org/presentationml/2006/main">
+  <p:cSld>
+    <p:spTree>
+      <p:nvGrpSpPr>
+        <p:cNvPr id="1" name=""/>
+        <p:cNvGrpSpPr/>
+        <p:nvPr/>
+      </p:nvGrpSpPr>
+      <p:grpSpPr>
+        <a:xfrm>
+          <a:off x="0" y="0"/>
+          <a:ext cx="0" cy="0"/>
+          <a:chOff x="0" y="0"/>
+          <a:chExt cx="0" cy="0"/>
+        </a:xfrm>
+      </p:grpSpPr>
+      <p:sp>
+        <p:nvSpPr>
+          <p:cNvPr id="5" name="액자 4"/>
+          <p:cNvSpPr/>
+          <p:nvPr/>
+        </p:nvSpPr>
+        <p:spPr>
+          <a:xfrm>
+            <a:off x="323528" y="1340768"/>
+            <a:ext cx="8496944" cy="5184576"/>
+          </a:xfrm>
+          <a:prstGeom prst="frame">
+            <a:avLst>
+              <a:gd name="adj1" fmla="val 3557"/>
+            </a:avLst>
+          </a:prstGeom>
+          <a:solidFill>
+            <a:srgbClr val="C00000"/>
+          </a:solidFill>
+          <a:ln>
+            <a:solidFill>
+              <a:schemeClr val="accent2">
+                <a:lumMod val="50000"/>
+              </a:schemeClr>
+            </a:solidFill>
+          </a:ln>
+        </p:spPr>
+        <p:style>
+          <a:lnRef idx="2">
+            <a:schemeClr val="accent1">
+              <a:shade val="50000"/>
+            </a:schemeClr>
+          </a:lnRef>
+          <a:fillRef idx="1">
+            <a:schemeClr val="accent1"/>
+          </a:fillRef>
+          <a:effectRef idx="0">
+            <a:schemeClr val="accent1"/>
+          </a:effectRef>
+          <a:fontRef idx="minor">
+            <a:schemeClr val="lt1"/>
+          </a:fontRef>
+        </p:style>
+        <p:txBody>
+          <a:bodyPr rtlCol="0" anchor="ctr"/>
+          <a:lstStyle/>
+          <a:p>
+            <a:pPr algn="ctr"/>
+            <a:endParaRPr lang="ko-KR" altLang="en-US">
+              <a:solidFill>
+                <a:schemeClr val="tx1"/>
+              </a:solidFill>
+            </a:endParaRPr>
+          </a:p>
+        </p:txBody>
+      </p:sp>
+      <p:sp>
+        <p:nvSpPr>
+          <p:cNvPr id="7" name="TextBox 6"/>
+          <p:cNvSpPr txBox="1"/>
+          <p:nvPr/>
+        </p:nvSpPr>
+        <p:spPr>
+          <a:xfrm>
+            <a:off x="3491880" y="392459"/>
+            <a:ext cx="2783134" cy="584775"/>
+          </a:xfrm>
+          <a:prstGeom prst="rect">
+            <a:avLst/>
+          </a:prstGeom>
+          <a:noFill/>
+        </p:spPr>
+        <p:txBody>
+          <a:bodyPr wrap="none" rtlCol="0">
+            <a:spAutoFit/>
+          </a:bodyPr>
+          <a:lstStyle/>
+          <a:p>
+            <a:r>
+              <a:rPr lang="ko-KR" altLang="en-US" sz="3200" dirty="0" smtClean="0">
+                <a:latin typeface="HY강B" panose="02030600000101010101" pitchFamily="18" charset="-127"/>
+                <a:ea typeface="HY강B" panose="02030600000101010101" pitchFamily="18" charset="-127"/>
+              </a:rPr>
+              <a:t>테스트 케이스</a:t>
+            </a:r>
+            <a:endParaRPr lang="en-US" altLang="ko-KR" sz="3200" dirty="0" smtClean="0">
+              <a:latin typeface="HY강B" panose="02030600000101010101" pitchFamily="18" charset="-127"/>
+              <a:ea typeface="HY강B" panose="02030600000101010101" pitchFamily="18" charset="-127"/>
+            </a:endParaRPr>
+          </a:p>
+        </p:txBody>
+      </p:sp>
+      <p:pic>
+        <p:nvPicPr>
+          <p:cNvPr id="10" name="그림 9"/>
+          <p:cNvPicPr>
+            <a:picLocks noChangeAspect="1"/>
+          </p:cNvPicPr>
+          <p:nvPr/>
+        </p:nvPicPr>
+        <p:blipFill>
+          <a:blip r:embed="rId2" cstate="print">
+            <a:extLst>
+              <a:ext uri="{28A0092B-C50C-407E-A947-70E740481C1C}">
+                <a14:useLocalDpi xmlns:a14="http://schemas.microsoft.com/office/drawing/2010/main" val="0"/>
+              </a:ext>
+            </a:extLst>
+          </a:blip>
+          <a:stretch>
+            <a:fillRect/>
+          </a:stretch>
+        </p:blipFill>
+        <p:spPr>
+          <a:xfrm>
+            <a:off x="2195736" y="276246"/>
+            <a:ext cx="817200" cy="817200"/>
+          </a:xfrm>
+          <a:prstGeom prst="rect">
+            <a:avLst/>
+          </a:prstGeom>
+        </p:spPr>
+      </p:pic>
+      <p:graphicFrame>
+        <p:nvGraphicFramePr>
+          <p:cNvPr id="12" name="표 11"/>
+          <p:cNvGraphicFramePr>
+            <a:graphicFrameLocks noGrp="1"/>
+          </p:cNvGraphicFramePr>
+          <p:nvPr>
+            <p:extLst>
+              <p:ext uri="{D42A27DB-BD31-4B8C-83A1-F6EECF244321}">
+                <p14:modId xmlns:p14="http://schemas.microsoft.com/office/powerpoint/2010/main" val="2049351098"/>
+              </p:ext>
+            </p:extLst>
+          </p:nvPr>
+        </p:nvGraphicFramePr>
+        <p:xfrm>
+          <a:off x="755576" y="2420888"/>
+          <a:ext cx="7632847" cy="3774330"/>
+        </p:xfrm>
+        <a:graphic>
+          <a:graphicData uri="http://schemas.openxmlformats.org/drawingml/2006/table">
+            <a:tbl>
+              <a:tblPr firstRow="1" bandRow="1">
+                <a:tableStyleId>{21E4AEA4-8DFA-4A89-87EB-49C32662AFE0}</a:tableStyleId>
+              </a:tblPr>
+              <a:tblGrid>
+                <a:gridCol w="1617128">
+                  <a:extLst>
+                    <a:ext uri="{9D8B030D-6E8A-4147-A177-3AD203B41FA5}">
+                      <a16:colId xmlns:a16="http://schemas.microsoft.com/office/drawing/2014/main" val="3257667814"/>
+                    </a:ext>
+                  </a:extLst>
+                </a:gridCol>
+                <a:gridCol w="4851386">
+                  <a:extLst>
+                    <a:ext uri="{9D8B030D-6E8A-4147-A177-3AD203B41FA5}">
+                      <a16:colId xmlns:a16="http://schemas.microsoft.com/office/drawing/2014/main" val="762002080"/>
+                    </a:ext>
+                  </a:extLst>
+                </a:gridCol>
+                <a:gridCol w="1164333">
+                  <a:extLst>
+                    <a:ext uri="{9D8B030D-6E8A-4147-A177-3AD203B41FA5}">
+                      <a16:colId xmlns:a16="http://schemas.microsoft.com/office/drawing/2014/main" val="2684596132"/>
+                    </a:ext>
+                  </a:extLst>
+                </a:gridCol>
+              </a:tblGrid>
+              <a:tr h="569271">
+                <a:tc>
+                  <a:txBody>
+                    <a:bodyPr/>
+                    <a:lstStyle/>
+                    <a:p>
+                      <a:pPr algn="ctr" latinLnBrk="1"/>
+                      <a:r>
+                        <a:rPr lang="ko-KR" altLang="en-US" dirty="0" smtClean="0"/>
+                        <a:t>분류</a:t>
+                      </a:r>
+                      <a:endParaRPr lang="ko-KR" altLang="en-US" dirty="0"/>
+                    </a:p>
+                  </a:txBody>
+                  <a:tcPr/>
+                </a:tc>
+                <a:tc>
+                  <a:txBody>
+                    <a:bodyPr/>
+                    <a:lstStyle/>
+                    <a:p>
+                      <a:pPr algn="ctr" latinLnBrk="1"/>
+                      <a:r>
+                        <a:rPr lang="ko-KR" altLang="en-US" dirty="0" smtClean="0"/>
+                        <a:t>조건</a:t>
+                      </a:r>
+                      <a:endParaRPr lang="ko-KR" altLang="en-US" dirty="0"/>
+                    </a:p>
+                  </a:txBody>
+                  <a:tcPr/>
+                </a:tc>
+                <a:tc>
+                  <a:txBody>
+                    <a:bodyPr/>
+                    <a:lstStyle/>
+                    <a:p>
+                      <a:pPr algn="ctr" latinLnBrk="1"/>
+                      <a:r>
+                        <a:rPr lang="ko-KR" altLang="en-US" dirty="0" smtClean="0"/>
+                        <a:t>결과</a:t>
+                      </a:r>
+                      <a:endParaRPr lang="ko-KR" altLang="en-US" dirty="0"/>
+                    </a:p>
+                  </a:txBody>
+                  <a:tcPr/>
+                </a:tc>
+                <a:extLst>
+                  <a:ext uri="{0D108BD9-81ED-4DB2-BD59-A6C34878D82A}">
+                    <a16:rowId xmlns:a16="http://schemas.microsoft.com/office/drawing/2014/main" val="305162203"/>
+                  </a:ext>
+                </a:extLst>
+              </a:tr>
+              <a:tr h="616411">
+                <a:tc>
+                  <a:txBody>
+                    <a:bodyPr/>
+                    <a:lstStyle/>
+                    <a:p>
+                      <a:pPr latinLnBrk="1"/>
+                      <a:r>
+                        <a:rPr lang="en-US" altLang="ko-KR" dirty="0" smtClean="0"/>
+                        <a:t>DB </a:t>
+                      </a:r>
+                      <a:r>
+                        <a:rPr lang="ko-KR" altLang="en-US" dirty="0" smtClean="0"/>
+                        <a:t>접속</a:t>
+                      </a:r>
+                      <a:endParaRPr lang="ko-KR" altLang="en-US" dirty="0"/>
+                    </a:p>
+                  </a:txBody>
+                  <a:tcPr/>
+                </a:tc>
+                <a:tc>
+                  <a:txBody>
+                    <a:bodyPr/>
+                    <a:lstStyle/>
+                    <a:p>
+                      <a:pPr latinLnBrk="1"/>
+                      <a:r>
+                        <a:rPr lang="en-US" altLang="ko-KR" dirty="0" smtClean="0"/>
+                        <a:t>DB</a:t>
+                      </a:r>
+                      <a:r>
+                        <a:rPr lang="ko-KR" altLang="en-US" dirty="0" smtClean="0"/>
+                        <a:t>에 </a:t>
+                      </a:r>
+                      <a:r>
+                        <a:rPr lang="ko-KR" altLang="en-US" dirty="0" smtClean="0"/>
+                        <a:t>접속하여 </a:t>
+                      </a:r>
+                      <a:r>
+                        <a:rPr lang="ko-KR" altLang="en-US" dirty="0" smtClean="0"/>
+                        <a:t>테이블 생성 및 삭제가 가능합니까</a:t>
+                      </a:r>
+                      <a:r>
+                        <a:rPr lang="en-US" altLang="ko-KR" dirty="0" smtClean="0"/>
+                        <a:t>?</a:t>
+                      </a:r>
+                      <a:endParaRPr lang="ko-KR" altLang="en-US" dirty="0"/>
+                    </a:p>
+                  </a:txBody>
+                  <a:tcPr/>
+                </a:tc>
+                <a:tc>
+                  <a:txBody>
+                    <a:bodyPr/>
+                    <a:lstStyle/>
+                    <a:p>
+                      <a:pPr algn="ctr" latinLnBrk="1"/>
+                      <a:r>
+                        <a:rPr lang="en-US" altLang="ko-KR" dirty="0" smtClean="0"/>
+                        <a:t>O</a:t>
+                      </a:r>
+                      <a:endParaRPr lang="ko-KR" altLang="en-US" dirty="0"/>
+                    </a:p>
+                  </a:txBody>
+                  <a:tcPr/>
+                </a:tc>
+                <a:extLst>
+                  <a:ext uri="{0D108BD9-81ED-4DB2-BD59-A6C34878D82A}">
+                    <a16:rowId xmlns:a16="http://schemas.microsoft.com/office/drawing/2014/main" val="1852117686"/>
+                  </a:ext>
+                </a:extLst>
+              </a:tr>
+              <a:tr h="569271">
+                <a:tc>
+                  <a:txBody>
+                    <a:bodyPr/>
+                    <a:lstStyle/>
+                    <a:p>
+                      <a:pPr latinLnBrk="1"/>
+                      <a:r>
+                        <a:rPr lang="ko-KR" altLang="en-US" dirty="0" smtClean="0"/>
+                        <a:t>데이터 추가</a:t>
+                      </a:r>
+                      <a:endParaRPr lang="ko-KR" altLang="en-US" dirty="0"/>
+                    </a:p>
+                  </a:txBody>
+                  <a:tcPr/>
+                </a:tc>
+                <a:tc>
+                  <a:txBody>
+                    <a:bodyPr/>
+                    <a:lstStyle/>
+                    <a:p>
+                      <a:pPr latinLnBrk="1"/>
+                      <a:r>
+                        <a:rPr lang="ko-KR" altLang="en-US" dirty="0" smtClean="0"/>
+                        <a:t>입력한 데이터들이 테이블로 입력이 됩니까</a:t>
+                      </a:r>
+                      <a:r>
+                        <a:rPr lang="en-US" altLang="ko-KR" dirty="0" smtClean="0"/>
+                        <a:t>?</a:t>
+                      </a:r>
+                      <a:endParaRPr lang="ko-KR" altLang="en-US" dirty="0"/>
+                    </a:p>
+                  </a:txBody>
+                  <a:tcPr/>
+                </a:tc>
+                <a:tc>
+                  <a:txBody>
+                    <a:bodyPr/>
+                    <a:lstStyle/>
+                    <a:p>
+                      <a:pPr algn="ctr" latinLnBrk="1"/>
+                      <a:r>
+                        <a:rPr lang="en-US" altLang="ko-KR" dirty="0" smtClean="0"/>
+                        <a:t>O</a:t>
+                      </a:r>
+                      <a:endParaRPr lang="ko-KR" altLang="en-US" dirty="0"/>
+                    </a:p>
+                  </a:txBody>
+                  <a:tcPr/>
+                </a:tc>
+                <a:extLst>
+                  <a:ext uri="{0D108BD9-81ED-4DB2-BD59-A6C34878D82A}">
+                    <a16:rowId xmlns:a16="http://schemas.microsoft.com/office/drawing/2014/main" val="1679152412"/>
+                  </a:ext>
+                </a:extLst>
+              </a:tr>
+              <a:tr h="665236">
+                <a:tc>
+                  <a:txBody>
+                    <a:bodyPr/>
+                    <a:lstStyle/>
+                    <a:p>
+                      <a:pPr latinLnBrk="1"/>
+                      <a:r>
+                        <a:rPr lang="ko-KR" altLang="en-US" dirty="0" smtClean="0"/>
+                        <a:t>데이터 조회</a:t>
+                      </a:r>
+                      <a:endParaRPr lang="ko-KR" altLang="en-US" dirty="0"/>
+                    </a:p>
+                  </a:txBody>
+                  <a:tcPr/>
+                </a:tc>
+                <a:tc>
+                  <a:txBody>
+                    <a:bodyPr/>
+                    <a:lstStyle/>
+                    <a:p>
+                      <a:pPr latinLnBrk="1"/>
+                      <a:r>
+                        <a:rPr lang="ko-KR" altLang="en-US" dirty="0" smtClean="0"/>
+                        <a:t>테이블에 있는 데이터들을 불러올 수 있습니까</a:t>
+                      </a:r>
+                      <a:r>
+                        <a:rPr lang="en-US" altLang="ko-KR" dirty="0" smtClean="0"/>
+                        <a:t>?</a:t>
+                      </a:r>
+                      <a:endParaRPr lang="ko-KR" altLang="en-US" dirty="0"/>
+                    </a:p>
+                  </a:txBody>
+                  <a:tcPr/>
+                </a:tc>
+                <a:tc>
+                  <a:txBody>
+                    <a:bodyPr/>
+                    <a:lstStyle/>
+                    <a:p>
+                      <a:pPr algn="ctr" latinLnBrk="1"/>
+                      <a:r>
+                        <a:rPr lang="en-US" altLang="ko-KR" dirty="0" smtClean="0"/>
+                        <a:t>O</a:t>
+                      </a:r>
+                      <a:endParaRPr lang="ko-KR" altLang="en-US" dirty="0"/>
+                    </a:p>
+                  </a:txBody>
+                  <a:tcPr/>
+                </a:tc>
+                <a:extLst>
+                  <a:ext uri="{0D108BD9-81ED-4DB2-BD59-A6C34878D82A}">
+                    <a16:rowId xmlns:a16="http://schemas.microsoft.com/office/drawing/2014/main" val="4276586407"/>
+                  </a:ext>
+                </a:extLst>
+              </a:tr>
+              <a:tr h="665236">
+                <a:tc>
+                  <a:txBody>
+                    <a:bodyPr/>
+                    <a:lstStyle/>
+                    <a:p>
+                      <a:pPr latinLnBrk="1"/>
+                      <a:r>
+                        <a:rPr lang="ko-KR" altLang="en-US" dirty="0" smtClean="0"/>
+                        <a:t>데이터 수정</a:t>
+                      </a:r>
+                      <a:endParaRPr lang="ko-KR" altLang="en-US" dirty="0"/>
+                    </a:p>
+                  </a:txBody>
+                  <a:tcPr/>
+                </a:tc>
+                <a:tc>
+                  <a:txBody>
+                    <a:bodyPr/>
+                    <a:lstStyle/>
+                    <a:p>
+                      <a:pPr latinLnBrk="1"/>
+                      <a:r>
+                        <a:rPr lang="ko-KR" altLang="en-US" dirty="0" smtClean="0"/>
+                        <a:t>조회한 데이터들을 수정할 수 있습니까</a:t>
+                      </a:r>
+                      <a:r>
+                        <a:rPr lang="en-US" altLang="ko-KR" dirty="0" smtClean="0"/>
+                        <a:t>?</a:t>
+                      </a:r>
+                      <a:endParaRPr lang="ko-KR" altLang="en-US" dirty="0"/>
+                    </a:p>
+                  </a:txBody>
+                  <a:tcPr/>
+                </a:tc>
+                <a:tc>
+                  <a:txBody>
+                    <a:bodyPr/>
+                    <a:lstStyle/>
+                    <a:p>
+                      <a:pPr algn="ctr" latinLnBrk="1"/>
+                      <a:r>
+                        <a:rPr lang="en-US" altLang="ko-KR" dirty="0" smtClean="0"/>
+                        <a:t>O</a:t>
+                      </a:r>
+                      <a:endParaRPr lang="ko-KR" altLang="en-US" dirty="0"/>
+                    </a:p>
+                  </a:txBody>
+                  <a:tcPr/>
+                </a:tc>
+                <a:extLst>
+                  <a:ext uri="{0D108BD9-81ED-4DB2-BD59-A6C34878D82A}">
+                    <a16:rowId xmlns:a16="http://schemas.microsoft.com/office/drawing/2014/main" val="1081561529"/>
+                  </a:ext>
+                </a:extLst>
+              </a:tr>
+              <a:tr h="665236">
+                <a:tc>
+                  <a:txBody>
+                    <a:bodyPr/>
+                    <a:lstStyle/>
+                    <a:p>
+                      <a:pPr latinLnBrk="1"/>
+                      <a:r>
+                        <a:rPr lang="ko-KR" altLang="en-US" dirty="0" smtClean="0"/>
+                        <a:t>데이터 삭제</a:t>
+                      </a:r>
+                      <a:endParaRPr lang="ko-KR" altLang="en-US" dirty="0"/>
+                    </a:p>
+                  </a:txBody>
+                  <a:tcPr/>
+                </a:tc>
+                <a:tc>
+                  <a:txBody>
+                    <a:bodyPr/>
+                    <a:lstStyle/>
+                    <a:p>
+                      <a:pPr latinLnBrk="1"/>
+                      <a:r>
+                        <a:rPr lang="ko-KR" altLang="en-US" dirty="0" smtClean="0"/>
+                        <a:t>각 테이블의 데이터들이 삭제됩니까</a:t>
+                      </a:r>
+                      <a:r>
+                        <a:rPr lang="en-US" altLang="ko-KR" dirty="0" smtClean="0"/>
+                        <a:t>?</a:t>
+                      </a:r>
+                      <a:endParaRPr lang="ko-KR" altLang="en-US" dirty="0"/>
+                    </a:p>
+                  </a:txBody>
+                  <a:tcPr/>
+                </a:tc>
+                <a:tc>
+                  <a:txBody>
+                    <a:bodyPr/>
+                    <a:lstStyle/>
+                    <a:p>
+                      <a:pPr algn="ctr" latinLnBrk="1"/>
+                      <a:r>
+                        <a:rPr lang="en-US" altLang="ko-KR" dirty="0" smtClean="0"/>
+                        <a:t>O</a:t>
+                      </a:r>
+                      <a:endParaRPr lang="ko-KR" altLang="en-US" dirty="0"/>
+                    </a:p>
+                  </a:txBody>
+                  <a:tcPr/>
+                </a:tc>
+                <a:extLst>
+                  <a:ext uri="{0D108BD9-81ED-4DB2-BD59-A6C34878D82A}">
+                    <a16:rowId xmlns:a16="http://schemas.microsoft.com/office/drawing/2014/main" val="2613426212"/>
+                  </a:ext>
+                </a:extLst>
+              </a:tr>
+            </a:tbl>
+          </a:graphicData>
+        </a:graphic>
+      </p:graphicFrame>
+      <p:sp>
+        <p:nvSpPr>
+          <p:cNvPr id="13" name="TextBox 12"/>
+          <p:cNvSpPr txBox="1"/>
+          <p:nvPr/>
+        </p:nvSpPr>
+        <p:spPr>
+          <a:xfrm>
+            <a:off x="3746292" y="1772816"/>
+            <a:ext cx="1651414" cy="369332"/>
+          </a:xfrm>
+          <a:prstGeom prst="rect">
+            <a:avLst/>
+          </a:prstGeom>
+          <a:noFill/>
+        </p:spPr>
+        <p:txBody>
+          <a:bodyPr wrap="none" rtlCol="0">
+            <a:spAutoFit/>
+          </a:bodyPr>
+          <a:lstStyle/>
+          <a:p>
+            <a:r>
+              <a:rPr lang="ko-KR" altLang="en-US" b="1" dirty="0" smtClean="0"/>
+              <a:t>테스트 케이스</a:t>
+            </a:r>
+            <a:endParaRPr lang="ko-KR" altLang="en-US" b="1" dirty="0"/>
+          </a:p>
+        </p:txBody>
+      </p:sp>
+    </p:spTree>
+    <p:extLst>
+      <p:ext uri="{BB962C8B-B14F-4D97-AF65-F5344CB8AC3E}">
+        <p14:creationId xmlns:p14="http://schemas.microsoft.com/office/powerpoint/2010/main" val="4225388634"/>
+      </p:ext>
+    </p:extLst>
+  </p:cSld>
+  <p:clrMapOvr>
+    <a:masterClrMapping/>
+  </p:clrMapOvr>
+</p:sld>
+</file>
+
+<file path=ppt/slides/slide18.xml><?xml version="1.0" encoding="utf-8"?>
+<p:sld xmlns:a="http://schemas.openxmlformats.org/drawingml/2006/main" xmlns:r="http://schemas.openxmlformats.org/officeDocument/2006/relationships" xmlns:p="http://schemas.openxmlformats.org/presentationml/2006/main">
+  <p:cSld>
+    <p:spTree>
+      <p:nvGrpSpPr>
+        <p:cNvPr id="1" name=""/>
+        <p:cNvGrpSpPr/>
+        <p:nvPr/>
+      </p:nvGrpSpPr>
+      <p:grpSpPr>
+        <a:xfrm>
+          <a:off x="0" y="0"/>
+          <a:ext cx="0" cy="0"/>
+          <a:chOff x="0" y="0"/>
+          <a:chExt cx="0" cy="0"/>
+        </a:xfrm>
+      </p:grpSpPr>
+      <p:sp>
+        <p:nvSpPr>
+          <p:cNvPr id="5" name="액자 4"/>
+          <p:cNvSpPr/>
+          <p:nvPr/>
+        </p:nvSpPr>
+        <p:spPr>
+          <a:xfrm>
+            <a:off x="323528" y="1340768"/>
+            <a:ext cx="8496944" cy="5184576"/>
+          </a:xfrm>
+          <a:prstGeom prst="frame">
+            <a:avLst>
+              <a:gd name="adj1" fmla="val 3557"/>
+            </a:avLst>
+          </a:prstGeom>
+          <a:solidFill>
+            <a:srgbClr val="C00000"/>
+          </a:solidFill>
+          <a:ln>
+            <a:solidFill>
+              <a:schemeClr val="accent2">
+                <a:lumMod val="50000"/>
+              </a:schemeClr>
+            </a:solidFill>
+          </a:ln>
+        </p:spPr>
+        <p:style>
+          <a:lnRef idx="2">
+            <a:schemeClr val="accent1">
+              <a:shade val="50000"/>
+            </a:schemeClr>
+          </a:lnRef>
+          <a:fillRef idx="1">
+            <a:schemeClr val="accent1"/>
+          </a:fillRef>
+          <a:effectRef idx="0">
+            <a:schemeClr val="accent1"/>
+          </a:effectRef>
+          <a:fontRef idx="minor">
+            <a:schemeClr val="lt1"/>
+          </a:fontRef>
+        </p:style>
+        <p:txBody>
+          <a:bodyPr rtlCol="0" anchor="ctr"/>
+          <a:lstStyle/>
+          <a:p>
+            <a:pPr algn="ctr"/>
+            <a:endParaRPr lang="ko-KR" altLang="en-US">
+              <a:solidFill>
+                <a:schemeClr val="tx1"/>
+              </a:solidFill>
+            </a:endParaRPr>
+          </a:p>
+        </p:txBody>
+      </p:sp>
+      <p:sp>
+        <p:nvSpPr>
+          <p:cNvPr id="7" name="TextBox 6"/>
+          <p:cNvSpPr txBox="1"/>
+          <p:nvPr/>
+        </p:nvSpPr>
+        <p:spPr>
+          <a:xfrm>
+            <a:off x="3491880" y="392459"/>
+            <a:ext cx="2783134" cy="584775"/>
+          </a:xfrm>
+          <a:prstGeom prst="rect">
+            <a:avLst/>
+          </a:prstGeom>
+          <a:noFill/>
+        </p:spPr>
+        <p:txBody>
+          <a:bodyPr wrap="none" rtlCol="0">
+            <a:spAutoFit/>
+          </a:bodyPr>
+          <a:lstStyle/>
+          <a:p>
+            <a:r>
+              <a:rPr lang="ko-KR" altLang="en-US" sz="3200" dirty="0" smtClean="0">
+                <a:latin typeface="HY강B" panose="02030600000101010101" pitchFamily="18" charset="-127"/>
+                <a:ea typeface="HY강B" panose="02030600000101010101" pitchFamily="18" charset="-127"/>
+              </a:rPr>
+              <a:t>테스트 케이스</a:t>
+            </a:r>
+            <a:endParaRPr lang="en-US" altLang="ko-KR" sz="3200" dirty="0" smtClean="0">
+              <a:latin typeface="HY강B" panose="02030600000101010101" pitchFamily="18" charset="-127"/>
+              <a:ea typeface="HY강B" panose="02030600000101010101" pitchFamily="18" charset="-127"/>
+            </a:endParaRPr>
+          </a:p>
+        </p:txBody>
+      </p:sp>
+      <p:pic>
+        <p:nvPicPr>
+          <p:cNvPr id="10" name="그림 9"/>
+          <p:cNvPicPr>
+            <a:picLocks noChangeAspect="1"/>
+          </p:cNvPicPr>
+          <p:nvPr/>
+        </p:nvPicPr>
+        <p:blipFill>
+          <a:blip r:embed="rId2" cstate="print">
+            <a:extLst>
+              <a:ext uri="{28A0092B-C50C-407E-A947-70E740481C1C}">
+                <a14:useLocalDpi xmlns:a14="http://schemas.microsoft.com/office/drawing/2010/main" val="0"/>
+              </a:ext>
+            </a:extLst>
+          </a:blip>
+          <a:stretch>
+            <a:fillRect/>
+          </a:stretch>
+        </p:blipFill>
+        <p:spPr>
+          <a:xfrm>
+            <a:off x="2195736" y="276246"/>
+            <a:ext cx="817200" cy="817200"/>
+          </a:xfrm>
+          <a:prstGeom prst="rect">
+            <a:avLst/>
+          </a:prstGeom>
+        </p:spPr>
+      </p:pic>
+      <p:sp>
+        <p:nvSpPr>
+          <p:cNvPr id="13" name="TextBox 12"/>
+          <p:cNvSpPr txBox="1"/>
+          <p:nvPr/>
+        </p:nvSpPr>
+        <p:spPr>
+          <a:xfrm>
+            <a:off x="3977124" y="2276872"/>
+            <a:ext cx="1189749" cy="369332"/>
+          </a:xfrm>
+          <a:prstGeom prst="rect">
+            <a:avLst/>
+          </a:prstGeom>
+          <a:noFill/>
+        </p:spPr>
+        <p:txBody>
+          <a:bodyPr wrap="none" rtlCol="0">
+            <a:spAutoFit/>
+          </a:bodyPr>
+          <a:lstStyle/>
+          <a:p>
+            <a:r>
+              <a:rPr lang="ko-KR" altLang="en-US" b="1" dirty="0" smtClean="0"/>
+              <a:t>개선 사항</a:t>
+            </a:r>
+            <a:endParaRPr lang="ko-KR" altLang="en-US" b="1" dirty="0"/>
+          </a:p>
+        </p:txBody>
+      </p:sp>
+      <p:sp>
+        <p:nvSpPr>
+          <p:cNvPr id="8" name="TextBox 7"/>
+          <p:cNvSpPr txBox="1"/>
+          <p:nvPr/>
+        </p:nvSpPr>
+        <p:spPr>
+          <a:xfrm>
+            <a:off x="2028270" y="3212976"/>
+            <a:ext cx="5087456" cy="2031325"/>
+          </a:xfrm>
+          <a:prstGeom prst="rect">
+            <a:avLst/>
+          </a:prstGeom>
+          <a:noFill/>
+        </p:spPr>
+        <p:txBody>
+          <a:bodyPr wrap="square" rtlCol="0">
+            <a:spAutoFit/>
+          </a:bodyPr>
+          <a:lstStyle/>
+          <a:p>
+            <a:pPr marL="285750" indent="-285750">
+              <a:buFont typeface="Arial" panose="020B0604020202020204" pitchFamily="34" charset="0"/>
+              <a:buChar char="•"/>
+            </a:pPr>
+            <a:r>
+              <a:rPr lang="ko-KR" altLang="en-US" dirty="0" smtClean="0"/>
+              <a:t>거래정보에서 선택한 데이터만 삭제 가능한 기능 추가</a:t>
+            </a:r>
+            <a:r>
+              <a:rPr lang="en-US" altLang="ko-KR" dirty="0" smtClean="0"/>
+              <a:t>.</a:t>
+            </a:r>
+          </a:p>
+          <a:p>
+            <a:pPr marL="285750" indent="-285750">
+              <a:buFont typeface="Arial" panose="020B0604020202020204" pitchFamily="34" charset="0"/>
+              <a:buChar char="•"/>
+            </a:pPr>
+            <a:endParaRPr lang="en-US" altLang="ko-KR" dirty="0"/>
+          </a:p>
+          <a:p>
+            <a:pPr marL="285750" indent="-285750">
+              <a:buFont typeface="Arial" panose="020B0604020202020204" pitchFamily="34" charset="0"/>
+              <a:buChar char="•"/>
+            </a:pPr>
+            <a:r>
+              <a:rPr lang="ko-KR" altLang="en-US" dirty="0" smtClean="0"/>
+              <a:t>데이터 조회에서 이름과 전화번호가 똑같은 데이터 분별 기능 추가</a:t>
+            </a:r>
+            <a:endParaRPr lang="en-US" altLang="ko-KR" dirty="0" smtClean="0"/>
+          </a:p>
+          <a:p>
+            <a:pPr marL="285750" indent="-285750">
+              <a:buFont typeface="Arial" panose="020B0604020202020204" pitchFamily="34" charset="0"/>
+              <a:buChar char="•"/>
+            </a:pPr>
+            <a:endParaRPr lang="en-US" altLang="ko-KR" dirty="0"/>
+          </a:p>
+          <a:p>
+            <a:pPr marL="285750" indent="-285750">
+              <a:buFont typeface="Arial" panose="020B0604020202020204" pitchFamily="34" charset="0"/>
+              <a:buChar char="•"/>
+            </a:pPr>
+            <a:r>
+              <a:rPr lang="ko-KR" altLang="en-US" dirty="0" smtClean="0"/>
+              <a:t>차량 선택 시 해당 차량 이미지 조회 추가</a:t>
+            </a:r>
+            <a:endParaRPr lang="en-US" altLang="ko-KR" dirty="0" smtClean="0"/>
+          </a:p>
+        </p:txBody>
+      </p:sp>
+    </p:spTree>
+    <p:extLst>
+      <p:ext uri="{BB962C8B-B14F-4D97-AF65-F5344CB8AC3E}">
+        <p14:creationId xmlns:p14="http://schemas.microsoft.com/office/powerpoint/2010/main" val="1862917377"/>
+      </p:ext>
+    </p:extLst>
+  </p:cSld>
+  <p:clrMapOvr>
+    <a:masterClrMapping/>
+  </p:clrMapOvr>
+</p:sld>
+</file>
+
+<file path=ppt/slides/slide19.xml><?xml version="1.0" encoding="utf-8"?>
+<p:sld xmlns:a="http://schemas.openxmlformats.org/drawingml/2006/main" xmlns:r="http://schemas.openxmlformats.org/officeDocument/2006/relationships" xmlns:p="http://schemas.openxmlformats.org/presentationml/2006/main">
+  <p:cSld>
+    <p:spTree>
+      <p:nvGrpSpPr>
+        <p:cNvPr id="1" name=""/>
+        <p:cNvGrpSpPr/>
+        <p:nvPr/>
+      </p:nvGrpSpPr>
+      <p:grpSpPr>
+        <a:xfrm>
+          <a:off x="0" y="0"/>
+          <a:ext cx="0" cy="0"/>
+          <a:chOff x="0" y="0"/>
+          <a:chExt cx="0" cy="0"/>
+        </a:xfrm>
+      </p:grpSpPr>
+      <p:sp>
+        <p:nvSpPr>
+          <p:cNvPr id="9" name="액자 8"/>
+          <p:cNvSpPr/>
+          <p:nvPr/>
+        </p:nvSpPr>
+        <p:spPr>
+          <a:xfrm>
+            <a:off x="107504" y="620688"/>
+            <a:ext cx="8496944" cy="5184576"/>
+          </a:xfrm>
+          <a:prstGeom prst="frame">
+            <a:avLst>
+              <a:gd name="adj1" fmla="val 3557"/>
+            </a:avLst>
+          </a:prstGeom>
+          <a:solidFill>
+            <a:srgbClr val="92D050"/>
+          </a:solidFill>
+          <a:ln>
+            <a:solidFill>
+              <a:schemeClr val="accent3">
+                <a:lumMod val="75000"/>
+              </a:schemeClr>
+            </a:solidFill>
+          </a:ln>
+        </p:spPr>
+        <p:style>
+          <a:lnRef idx="2">
+            <a:schemeClr val="accent1">
+              <a:shade val="50000"/>
+            </a:schemeClr>
+          </a:lnRef>
+          <a:fillRef idx="1">
+            <a:schemeClr val="accent1"/>
+          </a:fillRef>
+          <a:effectRef idx="0">
+            <a:schemeClr val="accent1"/>
+          </a:effectRef>
+          <a:fontRef idx="minor">
+            <a:schemeClr val="lt1"/>
+          </a:fontRef>
+        </p:style>
+        <p:txBody>
+          <a:bodyPr rtlCol="0" anchor="ctr"/>
+          <a:lstStyle/>
+          <a:p>
+            <a:pPr algn="ctr"/>
+            <a:endParaRPr lang="ko-KR" altLang="en-US">
+              <a:solidFill>
+                <a:schemeClr val="tx1"/>
+              </a:solidFill>
+            </a:endParaRPr>
+          </a:p>
+        </p:txBody>
+      </p:sp>
+      <p:sp>
+        <p:nvSpPr>
+          <p:cNvPr id="11" name="액자 10"/>
+          <p:cNvSpPr/>
+          <p:nvPr/>
+        </p:nvSpPr>
+        <p:spPr>
+          <a:xfrm>
+            <a:off x="259904" y="773088"/>
+            <a:ext cx="8496944" cy="5184576"/>
+          </a:xfrm>
+          <a:prstGeom prst="frame">
+            <a:avLst>
+              <a:gd name="adj1" fmla="val 3557"/>
+            </a:avLst>
+          </a:prstGeom>
+          <a:solidFill>
+            <a:srgbClr val="FFC000"/>
+          </a:solidFill>
+          <a:ln>
+            <a:solidFill>
+              <a:schemeClr val="accent6">
+                <a:lumMod val="75000"/>
+              </a:schemeClr>
+            </a:solidFill>
+          </a:ln>
+        </p:spPr>
+        <p:style>
+          <a:lnRef idx="2">
+            <a:schemeClr val="accent1">
+              <a:shade val="50000"/>
+            </a:schemeClr>
+          </a:lnRef>
+          <a:fillRef idx="1">
+            <a:schemeClr val="accent1"/>
+          </a:fillRef>
+          <a:effectRef idx="0">
+            <a:schemeClr val="accent1"/>
+          </a:effectRef>
+          <a:fontRef idx="minor">
+            <a:schemeClr val="lt1"/>
+          </a:fontRef>
+        </p:style>
+        <p:txBody>
+          <a:bodyPr rtlCol="0" anchor="ctr"/>
+          <a:lstStyle/>
+          <a:p>
+            <a:pPr algn="ctr"/>
+            <a:endParaRPr lang="ko-KR" altLang="en-US">
+              <a:solidFill>
+                <a:schemeClr val="tx1"/>
+              </a:solidFill>
+            </a:endParaRPr>
+          </a:p>
+        </p:txBody>
+      </p:sp>
+      <p:sp>
+        <p:nvSpPr>
+          <p:cNvPr id="12" name="액자 11"/>
+          <p:cNvSpPr/>
+          <p:nvPr/>
+        </p:nvSpPr>
+        <p:spPr>
+          <a:xfrm>
+            <a:off x="412304" y="925488"/>
+            <a:ext cx="8496944" cy="5184576"/>
+          </a:xfrm>
+          <a:prstGeom prst="frame">
+            <a:avLst>
+              <a:gd name="adj1" fmla="val 3557"/>
+            </a:avLst>
+          </a:prstGeom>
+          <a:solidFill>
+            <a:schemeClr val="accent4">
+              <a:lumMod val="60000"/>
+              <a:lumOff val="40000"/>
+            </a:schemeClr>
+          </a:solidFill>
+          <a:ln>
+            <a:solidFill>
+              <a:schemeClr val="accent4">
+                <a:lumMod val="75000"/>
+              </a:schemeClr>
+            </a:solidFill>
+          </a:ln>
+        </p:spPr>
+        <p:style>
+          <a:lnRef idx="2">
+            <a:schemeClr val="accent1">
+              <a:shade val="50000"/>
+            </a:schemeClr>
+          </a:lnRef>
+          <a:fillRef idx="1">
+            <a:schemeClr val="accent1"/>
+          </a:fillRef>
+          <a:effectRef idx="0">
+            <a:schemeClr val="accent1"/>
+          </a:effectRef>
+          <a:fontRef idx="minor">
+            <a:schemeClr val="lt1"/>
+          </a:fontRef>
+        </p:style>
+        <p:txBody>
+          <a:bodyPr rtlCol="0" anchor="ctr"/>
+          <a:lstStyle/>
+          <a:p>
+            <a:pPr algn="ctr"/>
+            <a:endParaRPr lang="ko-KR" altLang="en-US">
+              <a:solidFill>
+                <a:schemeClr val="tx1"/>
+              </a:solidFill>
+            </a:endParaRPr>
+          </a:p>
+        </p:txBody>
+      </p:sp>
+      <p:sp>
+        <p:nvSpPr>
+          <p:cNvPr id="14" name="액자 13"/>
+          <p:cNvSpPr/>
+          <p:nvPr/>
+        </p:nvSpPr>
+        <p:spPr>
+          <a:xfrm>
+            <a:off x="564704" y="1077888"/>
+            <a:ext cx="8496944" cy="5184576"/>
+          </a:xfrm>
+          <a:prstGeom prst="frame">
+            <a:avLst>
+              <a:gd name="adj1" fmla="val 3557"/>
+            </a:avLst>
+          </a:prstGeom>
+          <a:solidFill>
+            <a:srgbClr val="C00000"/>
+          </a:solidFill>
+          <a:ln>
+            <a:solidFill>
+              <a:schemeClr val="accent2">
+                <a:lumMod val="50000"/>
+              </a:schemeClr>
+            </a:solidFill>
+          </a:ln>
+        </p:spPr>
+        <p:style>
+          <a:lnRef idx="2">
+            <a:schemeClr val="accent1">
+              <a:shade val="50000"/>
+            </a:schemeClr>
+          </a:lnRef>
+          <a:fillRef idx="1">
+            <a:schemeClr val="accent1"/>
+          </a:fillRef>
+          <a:effectRef idx="0">
+            <a:schemeClr val="accent1"/>
+          </a:effectRef>
+          <a:fontRef idx="minor">
+            <a:schemeClr val="lt1"/>
+          </a:fontRef>
+        </p:style>
+        <p:txBody>
+          <a:bodyPr rtlCol="0" anchor="ctr"/>
+          <a:lstStyle/>
+          <a:p>
+            <a:pPr algn="ctr"/>
+            <a:endParaRPr lang="ko-KR" altLang="en-US">
+              <a:solidFill>
+                <a:schemeClr val="tx1"/>
+              </a:solidFill>
+            </a:endParaRPr>
+          </a:p>
+        </p:txBody>
+      </p:sp>
+      <p:sp>
+        <p:nvSpPr>
+          <p:cNvPr id="2" name="TextBox 1"/>
+          <p:cNvSpPr txBox="1"/>
+          <p:nvPr/>
+        </p:nvSpPr>
+        <p:spPr>
+          <a:xfrm>
+            <a:off x="2657015" y="3056111"/>
+            <a:ext cx="4333238" cy="923330"/>
+          </a:xfrm>
+          <a:prstGeom prst="rect">
+            <a:avLst/>
+          </a:prstGeom>
+          <a:noFill/>
+        </p:spPr>
+        <p:txBody>
+          <a:bodyPr wrap="none" rtlCol="0">
+            <a:spAutoFit/>
+          </a:bodyPr>
+          <a:lstStyle/>
+          <a:p>
+            <a:r>
+              <a:rPr lang="ko-KR" altLang="en-US" sz="5400" dirty="0" smtClean="0">
+                <a:latin typeface="HY헤드라인M" panose="02030600000101010101" pitchFamily="18" charset="-127"/>
+                <a:ea typeface="HY헤드라인M" panose="02030600000101010101" pitchFamily="18" charset="-127"/>
+              </a:rPr>
+              <a:t>감사합니다</a:t>
+            </a:r>
+            <a:r>
+              <a:rPr lang="en-US" altLang="ko-KR" sz="5400" dirty="0" smtClean="0">
+                <a:latin typeface="HY헤드라인M" panose="02030600000101010101" pitchFamily="18" charset="-127"/>
+                <a:ea typeface="HY헤드라인M" panose="02030600000101010101" pitchFamily="18" charset="-127"/>
+              </a:rPr>
+              <a:t>~!</a:t>
+            </a:r>
+            <a:endParaRPr lang="ko-KR" altLang="en-US" sz="5400" dirty="0">
+              <a:latin typeface="HY헤드라인M" panose="02030600000101010101" pitchFamily="18" charset="-127"/>
+              <a:ea typeface="HY헤드라인M" panose="02030600000101010101" pitchFamily="18" charset="-127"/>
+            </a:endParaRPr>
+          </a:p>
+        </p:txBody>
+      </p:sp>
+    </p:spTree>
+    <p:extLst>
+      <p:ext uri="{BB962C8B-B14F-4D97-AF65-F5344CB8AC3E}">
+        <p14:creationId xmlns:p14="http://schemas.microsoft.com/office/powerpoint/2010/main" val="3250839387"/>
+      </p:ext>
+    </p:extLst>
+  </p:cSld>
+  <p:clrMapOvr>
+    <a:masterClrMapping/>
+  </p:clrMapOvr>
 </p:sld>
 </file>
 
@@ -3505,279 +6593,249 @@
           </p:txBody>
         </p:sp>
       </p:grpSp>
-      <p:grpSp>
-        <p:nvGrpSpPr>
-          <p:cNvPr id="32" name="그룹 31"/>
-          <p:cNvGrpSpPr/>
-          <p:nvPr/>
-        </p:nvGrpSpPr>
-        <p:grpSpPr>
+      <p:sp>
+        <p:nvSpPr>
+          <p:cNvPr id="23" name="액자 22"/>
+          <p:cNvSpPr/>
+          <p:nvPr/>
+        </p:nvSpPr>
+        <p:spPr>
           <a:xfrm>
             <a:off x="1115616" y="5157192"/>
             <a:ext cx="6984776" cy="1080120"/>
-            <a:chOff x="1115616" y="5157192"/>
-            <a:chExt cx="6984776" cy="1080120"/>
-          </a:xfrm>
-        </p:grpSpPr>
-        <p:sp>
-          <p:nvSpPr>
-            <p:cNvPr id="23" name="액자 22"/>
-            <p:cNvSpPr/>
-            <p:nvPr/>
-          </p:nvSpPr>
-          <p:spPr>
-            <a:xfrm>
-              <a:off x="1115616" y="5157192"/>
-              <a:ext cx="6984776" cy="1080120"/>
-            </a:xfrm>
-            <a:prstGeom prst="frame">
-              <a:avLst/>
-            </a:prstGeom>
+          </a:xfrm>
+          <a:prstGeom prst="frame">
+            <a:avLst/>
+          </a:prstGeom>
+          <a:solidFill>
+            <a:srgbClr val="C00000"/>
+          </a:solidFill>
+          <a:ln>
             <a:solidFill>
-              <a:srgbClr val="C00000"/>
+              <a:schemeClr val="accent2">
+                <a:lumMod val="50000"/>
+              </a:schemeClr>
             </a:solidFill>
-            <a:ln>
+          </a:ln>
+        </p:spPr>
+        <p:style>
+          <a:lnRef idx="2">
+            <a:schemeClr val="accent1">
+              <a:shade val="50000"/>
+            </a:schemeClr>
+          </a:lnRef>
+          <a:fillRef idx="1">
+            <a:schemeClr val="accent1"/>
+          </a:fillRef>
+          <a:effectRef idx="0">
+            <a:schemeClr val="accent1"/>
+          </a:effectRef>
+          <a:fontRef idx="minor">
+            <a:schemeClr val="lt1"/>
+          </a:fontRef>
+        </p:style>
+        <p:txBody>
+          <a:bodyPr rtlCol="0" anchor="ctr"/>
+          <a:lstStyle/>
+          <a:p>
+            <a:pPr algn="ctr"/>
+            <a:endParaRPr lang="ko-KR" altLang="en-US">
               <a:solidFill>
-                <a:schemeClr val="accent2">
-                  <a:lumMod val="50000"/>
-                </a:schemeClr>
+                <a:schemeClr val="tx1"/>
               </a:solidFill>
-            </a:ln>
-          </p:spPr>
-          <p:style>
-            <a:lnRef idx="2">
-              <a:schemeClr val="accent1">
-                <a:shade val="50000"/>
-              </a:schemeClr>
-            </a:lnRef>
-            <a:fillRef idx="1">
-              <a:schemeClr val="accent1"/>
-            </a:fillRef>
-            <a:effectRef idx="0">
-              <a:schemeClr val="accent1"/>
-            </a:effectRef>
-            <a:fontRef idx="minor">
-              <a:schemeClr val="lt1"/>
-            </a:fontRef>
-          </p:style>
-          <p:txBody>
-            <a:bodyPr rtlCol="0" anchor="ctr"/>
-            <a:lstStyle/>
-            <a:p>
-              <a:pPr algn="ctr"/>
-              <a:endParaRPr lang="ko-KR" altLang="en-US">
-                <a:solidFill>
-                  <a:schemeClr val="tx1"/>
-                </a:solidFill>
-              </a:endParaRPr>
-            </a:p>
-          </p:txBody>
-        </p:sp>
-        <p:sp>
-          <p:nvSpPr>
-            <p:cNvPr id="25" name="TextBox 24"/>
-            <p:cNvSpPr txBox="1"/>
-            <p:nvPr/>
-          </p:nvSpPr>
-          <p:spPr>
-            <a:xfrm>
-              <a:off x="2294174" y="5466419"/>
-              <a:ext cx="2133918" cy="461665"/>
-            </a:xfrm>
-            <a:prstGeom prst="rect">
-              <a:avLst/>
-            </a:prstGeom>
-            <a:noFill/>
-          </p:spPr>
-          <p:txBody>
-            <a:bodyPr wrap="none" rtlCol="0">
-              <a:spAutoFit/>
-            </a:bodyPr>
-            <a:lstStyle/>
-            <a:p>
-              <a:r>
-                <a:rPr lang="ko-KR" altLang="en-US" sz="2400" dirty="0" smtClean="0">
-                  <a:latin typeface="HY강B" panose="02030600000101010101" pitchFamily="18" charset="-127"/>
-                  <a:ea typeface="HY강B" panose="02030600000101010101" pitchFamily="18" charset="-127"/>
-                </a:rPr>
-                <a:t>테스트 케이스</a:t>
-              </a:r>
-              <a:endParaRPr lang="en-US" altLang="ko-KR" sz="2400" dirty="0" smtClean="0">
+            </a:endParaRPr>
+          </a:p>
+        </p:txBody>
+      </p:sp>
+      <p:sp>
+        <p:nvSpPr>
+          <p:cNvPr id="25" name="TextBox 24"/>
+          <p:cNvSpPr txBox="1"/>
+          <p:nvPr/>
+        </p:nvSpPr>
+        <p:spPr>
+          <a:xfrm>
+            <a:off x="2294174" y="5466419"/>
+            <a:ext cx="2133918" cy="461665"/>
+          </a:xfrm>
+          <a:prstGeom prst="rect">
+            <a:avLst/>
+          </a:prstGeom>
+          <a:noFill/>
+        </p:spPr>
+        <p:txBody>
+          <a:bodyPr wrap="none" rtlCol="0">
+            <a:spAutoFit/>
+          </a:bodyPr>
+          <a:lstStyle/>
+          <a:p>
+            <a:r>
+              <a:rPr lang="ko-KR" altLang="en-US" sz="2400" dirty="0" smtClean="0">
                 <a:latin typeface="HY강B" panose="02030600000101010101" pitchFamily="18" charset="-127"/>
                 <a:ea typeface="HY강B" panose="02030600000101010101" pitchFamily="18" charset="-127"/>
-              </a:endParaRPr>
-            </a:p>
-          </p:txBody>
-        </p:sp>
-        <p:pic>
-          <p:nvPicPr>
-            <p:cNvPr id="26" name="그림 25"/>
-            <p:cNvPicPr>
-              <a:picLocks noChangeAspect="1"/>
-            </p:cNvPicPr>
-            <p:nvPr/>
-          </p:nvPicPr>
-          <p:blipFill>
-            <a:blip r:embed="rId4" cstate="print">
-              <a:extLst>
-                <a:ext uri="{28A0092B-C50C-407E-A947-70E740481C1C}">
-                  <a14:useLocalDpi xmlns:a14="http://schemas.microsoft.com/office/drawing/2010/main" val="0"/>
-                </a:ext>
-              </a:extLst>
-            </a:blip>
-            <a:stretch>
-              <a:fillRect/>
-            </a:stretch>
-          </p:blipFill>
-          <p:spPr>
-            <a:xfrm>
-              <a:off x="1475712" y="5445252"/>
-              <a:ext cx="504000" cy="504000"/>
-            </a:xfrm>
-            <a:prstGeom prst="rect">
-              <a:avLst/>
-            </a:prstGeom>
-          </p:spPr>
-        </p:pic>
-      </p:grpSp>
-      <p:grpSp>
-        <p:nvGrpSpPr>
-          <p:cNvPr id="31" name="그룹 30"/>
-          <p:cNvGrpSpPr/>
-          <p:nvPr/>
-        </p:nvGrpSpPr>
-        <p:grpSpPr>
+              </a:rPr>
+              <a:t>테스트 케이스</a:t>
+            </a:r>
+            <a:endParaRPr lang="en-US" altLang="ko-KR" sz="2400" dirty="0" smtClean="0">
+              <a:latin typeface="HY강B" panose="02030600000101010101" pitchFamily="18" charset="-127"/>
+              <a:ea typeface="HY강B" panose="02030600000101010101" pitchFamily="18" charset="-127"/>
+            </a:endParaRPr>
+          </a:p>
+        </p:txBody>
+      </p:sp>
+      <p:pic>
+        <p:nvPicPr>
+          <p:cNvPr id="26" name="그림 25"/>
+          <p:cNvPicPr>
+            <a:picLocks noChangeAspect="1"/>
+          </p:cNvPicPr>
+          <p:nvPr/>
+        </p:nvPicPr>
+        <p:blipFill>
+          <a:blip r:embed="rId4" cstate="print">
+            <a:extLst>
+              <a:ext uri="{28A0092B-C50C-407E-A947-70E740481C1C}">
+                <a14:useLocalDpi xmlns:a14="http://schemas.microsoft.com/office/drawing/2010/main" val="0"/>
+              </a:ext>
+            </a:extLst>
+          </a:blip>
+          <a:stretch>
+            <a:fillRect/>
+          </a:stretch>
+        </p:blipFill>
+        <p:spPr>
+          <a:xfrm>
+            <a:off x="1475712" y="5445252"/>
+            <a:ext cx="504000" cy="504000"/>
+          </a:xfrm>
+          <a:prstGeom prst="rect">
+            <a:avLst/>
+          </a:prstGeom>
+        </p:spPr>
+      </p:pic>
+      <p:sp>
+        <p:nvSpPr>
+          <p:cNvPr id="19" name="액자 18"/>
+          <p:cNvSpPr/>
+          <p:nvPr/>
+        </p:nvSpPr>
+        <p:spPr>
           <a:xfrm>
             <a:off x="1115616" y="3861048"/>
             <a:ext cx="6984776" cy="1080120"/>
-            <a:chOff x="1115616" y="3861048"/>
-            <a:chExt cx="6984776" cy="1080120"/>
-          </a:xfrm>
-        </p:grpSpPr>
-        <p:sp>
-          <p:nvSpPr>
-            <p:cNvPr id="19" name="액자 18"/>
-            <p:cNvSpPr/>
-            <p:nvPr/>
-          </p:nvSpPr>
-          <p:spPr>
-            <a:xfrm>
-              <a:off x="1115616" y="3861048"/>
-              <a:ext cx="6984776" cy="1080120"/>
-            </a:xfrm>
-            <a:prstGeom prst="frame">
-              <a:avLst/>
-            </a:prstGeom>
+          </a:xfrm>
+          <a:prstGeom prst="frame">
+            <a:avLst/>
+          </a:prstGeom>
+          <a:solidFill>
+            <a:schemeClr val="accent4">
+              <a:lumMod val="60000"/>
+              <a:lumOff val="40000"/>
+            </a:schemeClr>
+          </a:solidFill>
+          <a:ln>
             <a:solidFill>
               <a:schemeClr val="accent4">
-                <a:lumMod val="60000"/>
-                <a:lumOff val="40000"/>
+                <a:lumMod val="75000"/>
               </a:schemeClr>
             </a:solidFill>
-            <a:ln>
+          </a:ln>
+        </p:spPr>
+        <p:style>
+          <a:lnRef idx="2">
+            <a:schemeClr val="accent1">
+              <a:shade val="50000"/>
+            </a:schemeClr>
+          </a:lnRef>
+          <a:fillRef idx="1">
+            <a:schemeClr val="accent1"/>
+          </a:fillRef>
+          <a:effectRef idx="0">
+            <a:schemeClr val="accent1"/>
+          </a:effectRef>
+          <a:fontRef idx="minor">
+            <a:schemeClr val="lt1"/>
+          </a:fontRef>
+        </p:style>
+        <p:txBody>
+          <a:bodyPr rtlCol="0" anchor="ctr"/>
+          <a:lstStyle/>
+          <a:p>
+            <a:pPr algn="ctr"/>
+            <a:endParaRPr lang="ko-KR" altLang="en-US">
               <a:solidFill>
-                <a:schemeClr val="accent4">
-                  <a:lumMod val="75000"/>
-                </a:schemeClr>
+                <a:schemeClr val="tx1"/>
               </a:solidFill>
-            </a:ln>
-          </p:spPr>
-          <p:style>
-            <a:lnRef idx="2">
-              <a:schemeClr val="accent1">
-                <a:shade val="50000"/>
-              </a:schemeClr>
-            </a:lnRef>
-            <a:fillRef idx="1">
-              <a:schemeClr val="accent1"/>
-            </a:fillRef>
-            <a:effectRef idx="0">
-              <a:schemeClr val="accent1"/>
-            </a:effectRef>
-            <a:fontRef idx="minor">
-              <a:schemeClr val="lt1"/>
-            </a:fontRef>
-          </p:style>
-          <p:txBody>
-            <a:bodyPr rtlCol="0" anchor="ctr"/>
-            <a:lstStyle/>
-            <a:p>
-              <a:pPr algn="ctr"/>
-              <a:endParaRPr lang="ko-KR" altLang="en-US">
-                <a:solidFill>
-                  <a:schemeClr val="tx1"/>
-                </a:solidFill>
-              </a:endParaRPr>
-            </a:p>
-          </p:txBody>
-        </p:sp>
-        <p:sp>
-          <p:nvSpPr>
-            <p:cNvPr id="21" name="TextBox 20"/>
-            <p:cNvSpPr txBox="1"/>
-            <p:nvPr/>
-          </p:nvSpPr>
-          <p:spPr>
-            <a:xfrm>
-              <a:off x="2294174" y="4170275"/>
-              <a:ext cx="1518364" cy="461665"/>
-            </a:xfrm>
-            <a:prstGeom prst="rect">
-              <a:avLst/>
-            </a:prstGeom>
-            <a:noFill/>
-          </p:spPr>
-          <p:txBody>
-            <a:bodyPr wrap="none" rtlCol="0">
-              <a:spAutoFit/>
-            </a:bodyPr>
-            <a:lstStyle/>
-            <a:p>
-              <a:r>
-                <a:rPr lang="ko-KR" altLang="en-US" sz="2400" dirty="0" smtClean="0">
-                  <a:latin typeface="HY강B" panose="02030600000101010101" pitchFamily="18" charset="-127"/>
-                  <a:ea typeface="HY강B" panose="02030600000101010101" pitchFamily="18" charset="-127"/>
-                </a:rPr>
-                <a:t>화면 구현</a:t>
-              </a:r>
-              <a:endParaRPr lang="en-US" altLang="ko-KR" sz="2400" dirty="0" smtClean="0">
+            </a:endParaRPr>
+          </a:p>
+        </p:txBody>
+      </p:sp>
+      <p:sp>
+        <p:nvSpPr>
+          <p:cNvPr id="21" name="TextBox 20"/>
+          <p:cNvSpPr txBox="1"/>
+          <p:nvPr/>
+        </p:nvSpPr>
+        <p:spPr>
+          <a:xfrm>
+            <a:off x="2294174" y="4170275"/>
+            <a:ext cx="1518364" cy="461665"/>
+          </a:xfrm>
+          <a:prstGeom prst="rect">
+            <a:avLst/>
+          </a:prstGeom>
+          <a:noFill/>
+        </p:spPr>
+        <p:txBody>
+          <a:bodyPr wrap="none" rtlCol="0">
+            <a:spAutoFit/>
+          </a:bodyPr>
+          <a:lstStyle/>
+          <a:p>
+            <a:r>
+              <a:rPr lang="ko-KR" altLang="en-US" sz="2400" dirty="0" smtClean="0">
                 <a:latin typeface="HY강B" panose="02030600000101010101" pitchFamily="18" charset="-127"/>
                 <a:ea typeface="HY강B" panose="02030600000101010101" pitchFamily="18" charset="-127"/>
-              </a:endParaRPr>
-            </a:p>
-          </p:txBody>
-        </p:sp>
-        <p:pic>
-          <p:nvPicPr>
-            <p:cNvPr id="27" name="그림 26"/>
-            <p:cNvPicPr>
-              <a:picLocks noChangeAspect="1"/>
-            </p:cNvPicPr>
-            <p:nvPr/>
-          </p:nvPicPr>
-          <p:blipFill>
-            <a:blip r:embed="rId5" cstate="print">
-              <a:extLst>
-                <a:ext uri="{28A0092B-C50C-407E-A947-70E740481C1C}">
-                  <a14:useLocalDpi xmlns:a14="http://schemas.microsoft.com/office/drawing/2010/main" val="0"/>
-                </a:ext>
-              </a:extLst>
-            </a:blip>
-            <a:stretch>
-              <a:fillRect/>
-            </a:stretch>
-          </p:blipFill>
-          <p:spPr>
-            <a:xfrm>
-              <a:off x="1475712" y="4149107"/>
-              <a:ext cx="504000" cy="504000"/>
-            </a:xfrm>
-            <a:prstGeom prst="rect">
-              <a:avLst/>
-            </a:prstGeom>
-          </p:spPr>
-        </p:pic>
-      </p:grpSp>
+              </a:rPr>
+              <a:t>화면 구현</a:t>
+            </a:r>
+            <a:endParaRPr lang="en-US" altLang="ko-KR" sz="2400" dirty="0" smtClean="0">
+              <a:latin typeface="HY강B" panose="02030600000101010101" pitchFamily="18" charset="-127"/>
+              <a:ea typeface="HY강B" panose="02030600000101010101" pitchFamily="18" charset="-127"/>
+            </a:endParaRPr>
+          </a:p>
+        </p:txBody>
+      </p:sp>
+      <p:pic>
+        <p:nvPicPr>
+          <p:cNvPr id="27" name="그림 26"/>
+          <p:cNvPicPr>
+            <a:picLocks noChangeAspect="1"/>
+          </p:cNvPicPr>
+          <p:nvPr/>
+        </p:nvPicPr>
+        <p:blipFill>
+          <a:blip r:embed="rId5" cstate="print">
+            <a:extLst>
+              <a:ext uri="{28A0092B-C50C-407E-A947-70E740481C1C}">
+                <a14:useLocalDpi xmlns:a14="http://schemas.microsoft.com/office/drawing/2010/main" val="0"/>
+              </a:ext>
+            </a:extLst>
+          </a:blip>
+          <a:stretch>
+            <a:fillRect/>
+          </a:stretch>
+        </p:blipFill>
+        <p:spPr>
+          <a:xfrm>
+            <a:off x="1475712" y="4149107"/>
+            <a:ext cx="504000" cy="504000"/>
+          </a:xfrm>
+          <a:prstGeom prst="rect">
+            <a:avLst/>
+          </a:prstGeom>
+        </p:spPr>
+      </p:pic>
       <p:grpSp>
         <p:nvGrpSpPr>
           <p:cNvPr id="30" name="그룹 29"/>
